--- a/20250106 랩미팅 자료.pptx
+++ b/20250106 랩미팅 자료.pptx
@@ -6,6 +6,12 @@
   </p:sldMasterIdLst>
   <p:sldIdLst>
     <p:sldId id="256" r:id="rId2"/>
+    <p:sldId id="261" r:id="rId3"/>
+    <p:sldId id="263" r:id="rId4"/>
+    <p:sldId id="262" r:id="rId5"/>
+    <p:sldId id="258" r:id="rId6"/>
+    <p:sldId id="259" r:id="rId7"/>
+    <p:sldId id="264" r:id="rId8"/>
   </p:sldIdLst>
   <p:sldSz cx="12192000" cy="6858000"/>
   <p:notesSz cx="6858000" cy="9144000"/>
@@ -104,6 +110,11 @@
       </a:defRPr>
     </a:lvl9pPr>
   </p:defaultTextStyle>
+  <p:extLst>
+    <p:ext uri="{EFAFB233-063F-42B5-8137-9DF3F51BA10A}">
+      <p15:sldGuideLst xmlns:p15="http://schemas.microsoft.com/office/powerpoint/2012/main"/>
+    </p:ext>
+  </p:extLst>
 </p:presentation>
 </file>
 
@@ -3321,10 +3332,3713 @@
           <a:chExt cx="0" cy="0"/>
         </a:xfrm>
       </p:grpSpPr>
+      <p:cxnSp>
+        <p:nvCxnSpPr>
+          <p:cNvPr id="3" name="직선 연결선 2">
+            <a:extLst>
+              <a:ext uri="{FF2B5EF4-FFF2-40B4-BE49-F238E27FC236}">
+                <a16:creationId xmlns:a16="http://schemas.microsoft.com/office/drawing/2014/main" id="{058185F3-9BC6-B230-9915-E85FC8E4A251}"/>
+              </a:ext>
+            </a:extLst>
+          </p:cNvPr>
+          <p:cNvCxnSpPr>
+            <a:cxnSpLocks/>
+          </p:cNvCxnSpPr>
+          <p:nvPr/>
+        </p:nvCxnSpPr>
+        <p:spPr>
+          <a:xfrm>
+            <a:off x="283030" y="602904"/>
+            <a:ext cx="11594121" cy="0"/>
+          </a:xfrm>
+          <a:prstGeom prst="line">
+            <a:avLst/>
+          </a:prstGeom>
+          <a:ln>
+            <a:solidFill>
+              <a:schemeClr val="bg2">
+                <a:lumMod val="90000"/>
+              </a:schemeClr>
+            </a:solidFill>
+          </a:ln>
+        </p:spPr>
+        <p:style>
+          <a:lnRef idx="2">
+            <a:schemeClr val="accent1"/>
+          </a:lnRef>
+          <a:fillRef idx="0">
+            <a:schemeClr val="accent1"/>
+          </a:fillRef>
+          <a:effectRef idx="1">
+            <a:schemeClr val="accent1"/>
+          </a:effectRef>
+          <a:fontRef idx="minor">
+            <a:schemeClr val="tx1"/>
+          </a:fontRef>
+        </p:style>
+      </p:cxnSp>
+      <p:sp>
+        <p:nvSpPr>
+          <p:cNvPr id="5" name="TextBox 4">
+            <a:extLst>
+              <a:ext uri="{FF2B5EF4-FFF2-40B4-BE49-F238E27FC236}">
+                <a16:creationId xmlns:a16="http://schemas.microsoft.com/office/drawing/2014/main" id="{48579CB5-E56C-3A19-DCC4-F1C4E50205F3}"/>
+              </a:ext>
+            </a:extLst>
+          </p:cNvPr>
+          <p:cNvSpPr txBox="1"/>
+          <p:nvPr/>
+        </p:nvSpPr>
+        <p:spPr>
+          <a:xfrm>
+            <a:off x="11847007" y="6519446"/>
+            <a:ext cx="298480" cy="338554"/>
+          </a:xfrm>
+          <a:prstGeom prst="rect">
+            <a:avLst/>
+          </a:prstGeom>
+          <a:noFill/>
+        </p:spPr>
+        <p:txBody>
+          <a:bodyPr wrap="none" rtlCol="0">
+            <a:spAutoFit/>
+          </a:bodyPr>
+          <a:lstStyle/>
+          <a:p>
+            <a:r>
+              <a:rPr lang="en-US" altLang="ko-KR" sz="1600" dirty="0">
+                <a:solidFill>
+                  <a:schemeClr val="bg2">
+                    <a:lumMod val="75000"/>
+                  </a:schemeClr>
+                </a:solidFill>
+              </a:rPr>
+              <a:t>1</a:t>
+            </a:r>
+            <a:endParaRPr lang="ko-KR" altLang="en-US" sz="1600" dirty="0">
+              <a:solidFill>
+                <a:schemeClr val="bg2">
+                  <a:lumMod val="75000"/>
+                </a:schemeClr>
+              </a:solidFill>
+            </a:endParaRPr>
+          </a:p>
+        </p:txBody>
+      </p:sp>
+      <p:sp>
+        <p:nvSpPr>
+          <p:cNvPr id="6" name="TextBox 5">
+            <a:extLst>
+              <a:ext uri="{FF2B5EF4-FFF2-40B4-BE49-F238E27FC236}">
+                <a16:creationId xmlns:a16="http://schemas.microsoft.com/office/drawing/2014/main" id="{35E6D303-67F1-1071-A934-5B056BAE40EC}"/>
+              </a:ext>
+            </a:extLst>
+          </p:cNvPr>
+          <p:cNvSpPr txBox="1"/>
+          <p:nvPr/>
+        </p:nvSpPr>
+        <p:spPr>
+          <a:xfrm>
+            <a:off x="283030" y="224158"/>
+            <a:ext cx="2549096" cy="338554"/>
+          </a:xfrm>
+          <a:prstGeom prst="rect">
+            <a:avLst/>
+          </a:prstGeom>
+          <a:noFill/>
+        </p:spPr>
+        <p:txBody>
+          <a:bodyPr wrap="none" rtlCol="0">
+            <a:spAutoFit/>
+          </a:bodyPr>
+          <a:lstStyle/>
+          <a:p>
+            <a:r>
+              <a:rPr lang="ko-KR" altLang="en-US" sz="1600" dirty="0">
+                <a:solidFill>
+                  <a:schemeClr val="bg2">
+                    <a:lumMod val="75000"/>
+                  </a:schemeClr>
+                </a:solidFill>
+              </a:rPr>
+              <a:t>일반적인 </a:t>
+            </a:r>
+            <a:r>
+              <a:rPr lang="en-US" altLang="ko-KR" sz="1600" dirty="0">
+                <a:solidFill>
+                  <a:schemeClr val="bg2">
+                    <a:lumMod val="75000"/>
+                  </a:schemeClr>
+                </a:solidFill>
+              </a:rPr>
+              <a:t>LSTM </a:t>
+            </a:r>
+            <a:r>
+              <a:rPr lang="ko-KR" altLang="en-US" sz="1600" dirty="0">
+                <a:solidFill>
+                  <a:schemeClr val="bg2">
+                    <a:lumMod val="75000"/>
+                  </a:schemeClr>
+                </a:solidFill>
+              </a:rPr>
+              <a:t>모델 구조</a:t>
+            </a:r>
+          </a:p>
+        </p:txBody>
+      </p:sp>
+      <p:pic>
+        <p:nvPicPr>
+          <p:cNvPr id="1028" name="Picture 4">
+            <a:extLst>
+              <a:ext uri="{FF2B5EF4-FFF2-40B4-BE49-F238E27FC236}">
+                <a16:creationId xmlns:a16="http://schemas.microsoft.com/office/drawing/2014/main" id="{BDBB6221-5BC8-F7EE-72E6-4392D490168B}"/>
+              </a:ext>
+            </a:extLst>
+          </p:cNvPr>
+          <p:cNvPicPr>
+            <a:picLocks noChangeAspect="1" noChangeArrowheads="1"/>
+          </p:cNvPicPr>
+          <p:nvPr/>
+        </p:nvPicPr>
+        <p:blipFill>
+          <a:blip r:embed="rId2">
+            <a:extLst>
+              <a:ext uri="{28A0092B-C50C-407E-A947-70E740481C1C}">
+                <a14:useLocalDpi xmlns:a14="http://schemas.microsoft.com/office/drawing/2010/main" val="0"/>
+              </a:ext>
+            </a:extLst>
+          </a:blip>
+          <a:srcRect/>
+          <a:stretch>
+            <a:fillRect/>
+          </a:stretch>
+        </p:blipFill>
+        <p:spPr bwMode="auto">
+          <a:xfrm>
+            <a:off x="288756" y="796850"/>
+            <a:ext cx="11594121" cy="2961936"/>
+          </a:xfrm>
+          <a:prstGeom prst="rect">
+            <a:avLst/>
+          </a:prstGeom>
+          <a:noFill/>
+          <a:extLst>
+            <a:ext uri="{909E8E84-426E-40DD-AFC4-6F175D3DCCD1}">
+              <a14:hiddenFill xmlns:a14="http://schemas.microsoft.com/office/drawing/2010/main">
+                <a:solidFill>
+                  <a:srgbClr val="FFFFFF"/>
+                </a:solidFill>
+              </a14:hiddenFill>
+            </a:ext>
+          </a:extLst>
+        </p:spPr>
+      </p:pic>
+      <p:sp>
+        <p:nvSpPr>
+          <p:cNvPr id="8" name="TextBox 7">
+            <a:extLst>
+              <a:ext uri="{FF2B5EF4-FFF2-40B4-BE49-F238E27FC236}">
+                <a16:creationId xmlns:a16="http://schemas.microsoft.com/office/drawing/2014/main" id="{93BF61F2-9617-5004-4B0E-7FD927A1B06D}"/>
+              </a:ext>
+            </a:extLst>
+          </p:cNvPr>
+          <p:cNvSpPr txBox="1"/>
+          <p:nvPr/>
+        </p:nvSpPr>
+        <p:spPr>
+          <a:xfrm>
+            <a:off x="545431" y="4154853"/>
+            <a:ext cx="6655668" cy="2116285"/>
+          </a:xfrm>
+          <a:prstGeom prst="rect">
+            <a:avLst/>
+          </a:prstGeom>
+          <a:noFill/>
+          <a:ln>
+            <a:solidFill>
+              <a:schemeClr val="tx1"/>
+            </a:solidFill>
+          </a:ln>
+        </p:spPr>
+        <p:txBody>
+          <a:bodyPr wrap="none" rtlCol="0">
+            <a:spAutoFit/>
+          </a:bodyPr>
+          <a:lstStyle/>
+          <a:p>
+            <a:pPr>
+              <a:lnSpc>
+                <a:spcPct val="150000"/>
+              </a:lnSpc>
+            </a:pPr>
+            <a:r>
+              <a:rPr lang="en-US" altLang="ko-KR" dirty="0"/>
+              <a:t>-LSTM </a:t>
+            </a:r>
+            <a:r>
+              <a:rPr lang="ko-KR" altLang="en-US" dirty="0"/>
+              <a:t>내부 구조</a:t>
+            </a:r>
+            <a:endParaRPr lang="en-US" altLang="ko-KR" dirty="0"/>
+          </a:p>
+          <a:p>
+            <a:pPr>
+              <a:lnSpc>
+                <a:spcPct val="150000"/>
+              </a:lnSpc>
+            </a:pPr>
+            <a:r>
+              <a:rPr lang="en-US" altLang="ko-KR" dirty="0"/>
+              <a:t>  input gate: </a:t>
+            </a:r>
+            <a:r>
+              <a:rPr lang="ko-KR" altLang="en-US" dirty="0"/>
+              <a:t>현재 입력과 이전 </a:t>
+            </a:r>
+            <a:r>
+              <a:rPr lang="en-US" altLang="ko-KR" dirty="0"/>
+              <a:t>h</a:t>
+            </a:r>
+            <a:r>
+              <a:rPr lang="ko-KR" altLang="en-US" dirty="0"/>
+              <a:t>를 보고 얼마나 반영할지 결정</a:t>
+            </a:r>
+            <a:endParaRPr lang="en-US" altLang="ko-KR" dirty="0"/>
+          </a:p>
+          <a:p>
+            <a:pPr>
+              <a:lnSpc>
+                <a:spcPct val="150000"/>
+              </a:lnSpc>
+            </a:pPr>
+            <a:r>
+              <a:rPr lang="en-US" altLang="ko-KR" dirty="0"/>
+              <a:t>  forget gate: </a:t>
+            </a:r>
+            <a:r>
+              <a:rPr lang="ko-KR" altLang="en-US" dirty="0"/>
+              <a:t>이전 셀 상태를 얼마나 유지할지 결정</a:t>
+            </a:r>
+            <a:endParaRPr lang="en-US" altLang="ko-KR" dirty="0"/>
+          </a:p>
+          <a:p>
+            <a:pPr>
+              <a:lnSpc>
+                <a:spcPct val="150000"/>
+              </a:lnSpc>
+            </a:pPr>
+            <a:r>
+              <a:rPr lang="en-US" altLang="ko-KR" dirty="0"/>
+              <a:t>  hidden gate: input gate</a:t>
+            </a:r>
+            <a:r>
+              <a:rPr lang="ko-KR" altLang="en-US" dirty="0"/>
+              <a:t>와</a:t>
+            </a:r>
+            <a:r>
+              <a:rPr lang="en-US" altLang="ko-KR" dirty="0"/>
+              <a:t> </a:t>
+            </a:r>
+            <a:r>
+              <a:rPr lang="ko-KR" altLang="en-US" dirty="0"/>
+              <a:t>곱해져서 실제 메모리에 반영</a:t>
+            </a:r>
+            <a:endParaRPr lang="en-US" altLang="ko-KR" dirty="0"/>
+          </a:p>
+          <a:p>
+            <a:pPr>
+              <a:lnSpc>
+                <a:spcPct val="150000"/>
+              </a:lnSpc>
+            </a:pPr>
+            <a:r>
+              <a:rPr lang="en-US" altLang="ko-KR" dirty="0"/>
+              <a:t>  output gate: </a:t>
+            </a:r>
+            <a:r>
+              <a:rPr lang="ko-KR" altLang="en-US" dirty="0"/>
+              <a:t>현재 셀 상태를 압축해서 최종 </a:t>
+            </a:r>
+            <a:r>
+              <a:rPr lang="en-US" altLang="ko-KR" dirty="0"/>
+              <a:t>h </a:t>
+            </a:r>
+            <a:r>
+              <a:rPr lang="ko-KR" altLang="en-US" dirty="0"/>
+              <a:t>생성</a:t>
+            </a:r>
+          </a:p>
+        </p:txBody>
+      </p:sp>
+      <p:sp>
+        <p:nvSpPr>
+          <p:cNvPr id="9" name="TextBox 8">
+            <a:extLst>
+              <a:ext uri="{FF2B5EF4-FFF2-40B4-BE49-F238E27FC236}">
+                <a16:creationId xmlns:a16="http://schemas.microsoft.com/office/drawing/2014/main" id="{F6AE60D8-D8B7-29DC-1B08-019933916A2F}"/>
+              </a:ext>
+            </a:extLst>
+          </p:cNvPr>
+          <p:cNvSpPr txBox="1"/>
+          <p:nvPr/>
+        </p:nvSpPr>
+        <p:spPr>
+          <a:xfrm>
+            <a:off x="8067040" y="4154853"/>
+            <a:ext cx="3081293" cy="869790"/>
+          </a:xfrm>
+          <a:prstGeom prst="rect">
+            <a:avLst/>
+          </a:prstGeom>
+          <a:noFill/>
+          <a:ln>
+            <a:solidFill>
+              <a:schemeClr val="tx1"/>
+            </a:solidFill>
+          </a:ln>
+        </p:spPr>
+        <p:txBody>
+          <a:bodyPr wrap="none" rtlCol="0">
+            <a:spAutoFit/>
+          </a:bodyPr>
+          <a:lstStyle/>
+          <a:p>
+            <a:pPr>
+              <a:lnSpc>
+                <a:spcPct val="150000"/>
+              </a:lnSpc>
+            </a:pPr>
+            <a:r>
+              <a:rPr lang="en-US" altLang="ko-KR" dirty="0"/>
+              <a:t>Cell</a:t>
+            </a:r>
+            <a:r>
+              <a:rPr lang="ko-KR" altLang="en-US" dirty="0"/>
+              <a:t> </a:t>
+            </a:r>
+            <a:r>
+              <a:rPr lang="en-US" altLang="ko-KR" dirty="0"/>
+              <a:t>state</a:t>
+            </a:r>
+            <a:r>
+              <a:rPr lang="ko-KR" altLang="en-US" dirty="0"/>
+              <a:t> </a:t>
+            </a:r>
+            <a:r>
+              <a:rPr lang="en-US" altLang="ko-KR" b="1" dirty="0"/>
+              <a:t>C </a:t>
+            </a:r>
+            <a:r>
+              <a:rPr lang="en-US" altLang="ko-KR" dirty="0"/>
+              <a:t>: Long Term </a:t>
+            </a:r>
+          </a:p>
+          <a:p>
+            <a:pPr>
+              <a:lnSpc>
+                <a:spcPct val="150000"/>
+              </a:lnSpc>
+            </a:pPr>
+            <a:r>
+              <a:rPr lang="en-US" altLang="ko-KR" dirty="0"/>
+              <a:t>hidden state </a:t>
+            </a:r>
+            <a:r>
+              <a:rPr lang="en-US" altLang="ko-KR" b="1" dirty="0"/>
+              <a:t>h </a:t>
+            </a:r>
+            <a:r>
+              <a:rPr lang="en-US" altLang="ko-KR" dirty="0"/>
+              <a:t>: Short Term</a:t>
+            </a:r>
+          </a:p>
+        </p:txBody>
+      </p:sp>
+      <p:cxnSp>
+        <p:nvCxnSpPr>
+          <p:cNvPr id="11" name="직선 화살표 연결선 10">
+            <a:extLst>
+              <a:ext uri="{FF2B5EF4-FFF2-40B4-BE49-F238E27FC236}">
+                <a16:creationId xmlns:a16="http://schemas.microsoft.com/office/drawing/2014/main" id="{92AA816E-3208-BE71-5257-85954307CF49}"/>
+              </a:ext>
+            </a:extLst>
+          </p:cNvPr>
+          <p:cNvCxnSpPr/>
+          <p:nvPr/>
+        </p:nvCxnSpPr>
+        <p:spPr>
+          <a:xfrm>
+            <a:off x="7366000" y="4460240"/>
+            <a:ext cx="538480" cy="0"/>
+          </a:xfrm>
+          <a:prstGeom prst="straightConnector1">
+            <a:avLst/>
+          </a:prstGeom>
+          <a:ln>
+            <a:tailEnd type="triangle"/>
+          </a:ln>
+        </p:spPr>
+        <p:style>
+          <a:lnRef idx="2">
+            <a:schemeClr val="dk1"/>
+          </a:lnRef>
+          <a:fillRef idx="0">
+            <a:schemeClr val="dk1"/>
+          </a:fillRef>
+          <a:effectRef idx="1">
+            <a:schemeClr val="dk1"/>
+          </a:effectRef>
+          <a:fontRef idx="minor">
+            <a:schemeClr val="tx1"/>
+          </a:fontRef>
+        </p:style>
+      </p:cxnSp>
     </p:spTree>
     <p:extLst>
       <p:ext uri="{BB962C8B-B14F-4D97-AF65-F5344CB8AC3E}">
         <p14:creationId xmlns:p14="http://schemas.microsoft.com/office/powerpoint/2010/main" val="3612649081"/>
+      </p:ext>
+    </p:extLst>
+  </p:cSld>
+  <p:clrMapOvr>
+    <a:masterClrMapping/>
+  </p:clrMapOvr>
+</p:sld>
+</file>
+
+<file path=ppt/slides/slide2.xml><?xml version="1.0" encoding="utf-8"?>
+<p:sld xmlns:a="http://schemas.openxmlformats.org/drawingml/2006/main" xmlns:r="http://schemas.openxmlformats.org/officeDocument/2006/relationships" xmlns:p="http://schemas.openxmlformats.org/presentationml/2006/main">
+  <p:cSld>
+    <p:spTree>
+      <p:nvGrpSpPr>
+        <p:cNvPr id="1" name="">
+          <a:extLst>
+            <a:ext uri="{FF2B5EF4-FFF2-40B4-BE49-F238E27FC236}">
+              <a16:creationId xmlns:a16="http://schemas.microsoft.com/office/drawing/2014/main" id="{6582DBB3-220E-769B-FFE0-9292C91DAD7C}"/>
+            </a:ext>
+          </a:extLst>
+        </p:cNvPr>
+        <p:cNvGrpSpPr/>
+        <p:nvPr/>
+      </p:nvGrpSpPr>
+      <p:grpSpPr>
+        <a:xfrm>
+          <a:off x="0" y="0"/>
+          <a:ext cx="0" cy="0"/>
+          <a:chOff x="0" y="0"/>
+          <a:chExt cx="0" cy="0"/>
+        </a:xfrm>
+      </p:grpSpPr>
+      <p:cxnSp>
+        <p:nvCxnSpPr>
+          <p:cNvPr id="3" name="직선 연결선 2">
+            <a:extLst>
+              <a:ext uri="{FF2B5EF4-FFF2-40B4-BE49-F238E27FC236}">
+                <a16:creationId xmlns:a16="http://schemas.microsoft.com/office/drawing/2014/main" id="{DE0B2BB6-EE9E-7C9A-9F91-623B18CF4CCA}"/>
+              </a:ext>
+            </a:extLst>
+          </p:cNvPr>
+          <p:cNvCxnSpPr>
+            <a:cxnSpLocks/>
+          </p:cNvCxnSpPr>
+          <p:nvPr/>
+        </p:nvCxnSpPr>
+        <p:spPr>
+          <a:xfrm>
+            <a:off x="283030" y="602904"/>
+            <a:ext cx="11594121" cy="0"/>
+          </a:xfrm>
+          <a:prstGeom prst="line">
+            <a:avLst/>
+          </a:prstGeom>
+          <a:ln>
+            <a:solidFill>
+              <a:schemeClr val="bg2">
+                <a:lumMod val="90000"/>
+              </a:schemeClr>
+            </a:solidFill>
+          </a:ln>
+        </p:spPr>
+        <p:style>
+          <a:lnRef idx="2">
+            <a:schemeClr val="accent1"/>
+          </a:lnRef>
+          <a:fillRef idx="0">
+            <a:schemeClr val="accent1"/>
+          </a:fillRef>
+          <a:effectRef idx="1">
+            <a:schemeClr val="accent1"/>
+          </a:effectRef>
+          <a:fontRef idx="minor">
+            <a:schemeClr val="tx1"/>
+          </a:fontRef>
+        </p:style>
+      </p:cxnSp>
+      <p:sp>
+        <p:nvSpPr>
+          <p:cNvPr id="5" name="TextBox 4">
+            <a:extLst>
+              <a:ext uri="{FF2B5EF4-FFF2-40B4-BE49-F238E27FC236}">
+                <a16:creationId xmlns:a16="http://schemas.microsoft.com/office/drawing/2014/main" id="{F5D5DB58-3979-9B50-7F2F-7446342C05E7}"/>
+              </a:ext>
+            </a:extLst>
+          </p:cNvPr>
+          <p:cNvSpPr txBox="1"/>
+          <p:nvPr/>
+        </p:nvSpPr>
+        <p:spPr>
+          <a:xfrm>
+            <a:off x="11847007" y="6519446"/>
+            <a:ext cx="298480" cy="338554"/>
+          </a:xfrm>
+          <a:prstGeom prst="rect">
+            <a:avLst/>
+          </a:prstGeom>
+          <a:noFill/>
+        </p:spPr>
+        <p:txBody>
+          <a:bodyPr wrap="none" rtlCol="0">
+            <a:spAutoFit/>
+          </a:bodyPr>
+          <a:lstStyle/>
+          <a:p>
+            <a:r>
+              <a:rPr lang="en-US" altLang="ko-KR" sz="1600" dirty="0">
+                <a:solidFill>
+                  <a:schemeClr val="bg2">
+                    <a:lumMod val="75000"/>
+                  </a:schemeClr>
+                </a:solidFill>
+              </a:rPr>
+              <a:t>2</a:t>
+            </a:r>
+            <a:endParaRPr lang="ko-KR" altLang="en-US" sz="1600" dirty="0">
+              <a:solidFill>
+                <a:schemeClr val="bg2">
+                  <a:lumMod val="75000"/>
+                </a:schemeClr>
+              </a:solidFill>
+            </a:endParaRPr>
+          </a:p>
+        </p:txBody>
+      </p:sp>
+      <p:pic>
+        <p:nvPicPr>
+          <p:cNvPr id="9" name="그림 8">
+            <a:extLst>
+              <a:ext uri="{FF2B5EF4-FFF2-40B4-BE49-F238E27FC236}">
+                <a16:creationId xmlns:a16="http://schemas.microsoft.com/office/drawing/2014/main" id="{9D6FA215-929D-0580-B209-80A58225E3EF}"/>
+              </a:ext>
+            </a:extLst>
+          </p:cNvPr>
+          <p:cNvPicPr>
+            <a:picLocks noChangeAspect="1"/>
+          </p:cNvPicPr>
+          <p:nvPr/>
+        </p:nvPicPr>
+        <p:blipFill>
+          <a:blip r:embed="rId2"/>
+          <a:stretch>
+            <a:fillRect/>
+          </a:stretch>
+        </p:blipFill>
+        <p:spPr>
+          <a:xfrm>
+            <a:off x="460449" y="1326300"/>
+            <a:ext cx="3548306" cy="4205399"/>
+          </a:xfrm>
+          <a:prstGeom prst="rect">
+            <a:avLst/>
+          </a:prstGeom>
+        </p:spPr>
+      </p:pic>
+      <p:sp>
+        <p:nvSpPr>
+          <p:cNvPr id="10" name="TextBox 9">
+            <a:extLst>
+              <a:ext uri="{FF2B5EF4-FFF2-40B4-BE49-F238E27FC236}">
+                <a16:creationId xmlns:a16="http://schemas.microsoft.com/office/drawing/2014/main" id="{DF2D5E6A-BBDD-BC42-80D3-7A1CEC606FCB}"/>
+              </a:ext>
+            </a:extLst>
+          </p:cNvPr>
+          <p:cNvSpPr txBox="1"/>
+          <p:nvPr/>
+        </p:nvSpPr>
+        <p:spPr>
+          <a:xfrm>
+            <a:off x="3831336" y="1005755"/>
+            <a:ext cx="8016240" cy="1700787"/>
+          </a:xfrm>
+          <a:prstGeom prst="rect">
+            <a:avLst/>
+          </a:prstGeom>
+          <a:noFill/>
+        </p:spPr>
+        <p:txBody>
+          <a:bodyPr wrap="square" rtlCol="0">
+            <a:spAutoFit/>
+          </a:bodyPr>
+          <a:lstStyle/>
+          <a:p>
+            <a:pPr>
+              <a:lnSpc>
+                <a:spcPct val="150000"/>
+              </a:lnSpc>
+            </a:pPr>
+            <a:r>
+              <a:rPr lang="en-US" altLang="ko-KR" dirty="0"/>
+              <a:t> input size=1 : 1000</a:t>
+            </a:r>
+            <a:r>
+              <a:rPr lang="ko-KR" altLang="en-US" dirty="0"/>
+              <a:t>행 전압신호</a:t>
+            </a:r>
+            <a:endParaRPr lang="en-US" altLang="ko-KR" dirty="0"/>
+          </a:p>
+          <a:p>
+            <a:pPr>
+              <a:lnSpc>
+                <a:spcPct val="150000"/>
+              </a:lnSpc>
+            </a:pPr>
+            <a:r>
+              <a:rPr lang="en-US" altLang="ko-KR" dirty="0"/>
+              <a:t> hidden size=128 : </a:t>
+            </a:r>
+            <a:r>
+              <a:rPr lang="ko-KR" altLang="en-US" dirty="0"/>
+              <a:t>한 </a:t>
+            </a:r>
+            <a:r>
+              <a:rPr lang="en-US" altLang="ko-KR" dirty="0"/>
+              <a:t>timestep</a:t>
+            </a:r>
+            <a:r>
+              <a:rPr lang="ko-KR" altLang="en-US" dirty="0"/>
+              <a:t>마다 유지하는 </a:t>
+            </a:r>
+            <a:r>
+              <a:rPr lang="en-US" altLang="ko-KR" dirty="0"/>
+              <a:t>short term </a:t>
+            </a:r>
+            <a:r>
+              <a:rPr lang="ko-KR" altLang="en-US" dirty="0"/>
+              <a:t>메모리의 차원</a:t>
+            </a:r>
+            <a:endParaRPr lang="en-US" altLang="ko-KR" dirty="0"/>
+          </a:p>
+          <a:p>
+            <a:pPr>
+              <a:lnSpc>
+                <a:spcPct val="150000"/>
+              </a:lnSpc>
+            </a:pPr>
+            <a:r>
+              <a:rPr lang="en-US" altLang="ko-KR" dirty="0"/>
+              <a:t> </a:t>
+            </a:r>
+            <a:r>
+              <a:rPr lang="en-US" altLang="ko-KR" dirty="0" err="1"/>
+              <a:t>num_layers</a:t>
+            </a:r>
+            <a:r>
+              <a:rPr lang="en-US" altLang="ko-KR" dirty="0"/>
+              <a:t>=2</a:t>
+            </a:r>
+            <a:r>
+              <a:rPr lang="ko-KR" altLang="en-US" dirty="0"/>
+              <a:t> </a:t>
+            </a:r>
+            <a:r>
+              <a:rPr lang="en-US" altLang="ko-KR" dirty="0"/>
+              <a:t>:</a:t>
+            </a:r>
+            <a:r>
+              <a:rPr lang="ko-KR" altLang="en-US" dirty="0"/>
+              <a:t> 다층구조 </a:t>
+            </a:r>
+            <a:r>
+              <a:rPr lang="en-US" altLang="ko-KR" dirty="0"/>
+              <a:t>LSTM</a:t>
+            </a:r>
+          </a:p>
+          <a:p>
+            <a:pPr>
+              <a:lnSpc>
+                <a:spcPct val="150000"/>
+              </a:lnSpc>
+            </a:pPr>
+            <a:r>
+              <a:rPr lang="en-US" altLang="ko-KR" dirty="0"/>
+              <a:t> dropout=0.2</a:t>
+            </a:r>
+            <a:r>
+              <a:rPr lang="ko-KR" altLang="en-US" dirty="0"/>
+              <a:t> </a:t>
+            </a:r>
+            <a:r>
+              <a:rPr lang="en-US" altLang="ko-KR" dirty="0"/>
+              <a:t>:</a:t>
+            </a:r>
+            <a:r>
+              <a:rPr lang="ko-KR" altLang="en-US" dirty="0"/>
+              <a:t> </a:t>
+            </a:r>
+            <a:r>
+              <a:rPr lang="en-US" altLang="ko-KR" dirty="0"/>
+              <a:t>0.2</a:t>
+            </a:r>
+            <a:r>
+              <a:rPr lang="ko-KR" altLang="en-US" dirty="0"/>
+              <a:t>확률로 </a:t>
+            </a:r>
+            <a:r>
+              <a:rPr lang="en-US" altLang="ko-KR" dirty="0"/>
+              <a:t>LSTM </a:t>
+            </a:r>
+            <a:r>
+              <a:rPr lang="ko-KR" altLang="en-US" dirty="0"/>
+              <a:t>층 사이 연결을 끊어 </a:t>
+            </a:r>
+            <a:r>
+              <a:rPr lang="ko-KR" altLang="en-US" dirty="0" err="1"/>
+              <a:t>과적합</a:t>
+            </a:r>
+            <a:r>
+              <a:rPr lang="ko-KR" altLang="en-US" dirty="0"/>
+              <a:t> 방지</a:t>
+            </a:r>
+          </a:p>
+        </p:txBody>
+      </p:sp>
+      <p:pic>
+        <p:nvPicPr>
+          <p:cNvPr id="2052" name="Picture 4">
+            <a:extLst>
+              <a:ext uri="{FF2B5EF4-FFF2-40B4-BE49-F238E27FC236}">
+                <a16:creationId xmlns:a16="http://schemas.microsoft.com/office/drawing/2014/main" id="{BEBEA7DE-17B1-90FD-D3F4-E18A82F174CB}"/>
+              </a:ext>
+            </a:extLst>
+          </p:cNvPr>
+          <p:cNvPicPr>
+            <a:picLocks noChangeAspect="1" noChangeArrowheads="1"/>
+          </p:cNvPicPr>
+          <p:nvPr/>
+        </p:nvPicPr>
+        <p:blipFill rotWithShape="1">
+          <a:blip r:embed="rId3">
+            <a:extLst>
+              <a:ext uri="{28A0092B-C50C-407E-A947-70E740481C1C}">
+                <a14:useLocalDpi xmlns:a14="http://schemas.microsoft.com/office/drawing/2010/main" val="0"/>
+              </a:ext>
+            </a:extLst>
+          </a:blip>
+          <a:srcRect r="19703"/>
+          <a:stretch>
+            <a:fillRect/>
+          </a:stretch>
+        </p:blipFill>
+        <p:spPr bwMode="auto">
+          <a:xfrm>
+            <a:off x="4354244" y="3067510"/>
+            <a:ext cx="6997720" cy="2537361"/>
+          </a:xfrm>
+          <a:prstGeom prst="rect">
+            <a:avLst/>
+          </a:prstGeom>
+          <a:noFill/>
+          <a:extLst>
+            <a:ext uri="{909E8E84-426E-40DD-AFC4-6F175D3DCCD1}">
+              <a14:hiddenFill xmlns:a14="http://schemas.microsoft.com/office/drawing/2010/main">
+                <a:solidFill>
+                  <a:srgbClr val="FFFFFF"/>
+                </a:solidFill>
+              </a14:hiddenFill>
+            </a:ext>
+          </a:extLst>
+        </p:spPr>
+      </p:pic>
+      <p:sp>
+        <p:nvSpPr>
+          <p:cNvPr id="11" name="TextBox 10">
+            <a:extLst>
+              <a:ext uri="{FF2B5EF4-FFF2-40B4-BE49-F238E27FC236}">
+                <a16:creationId xmlns:a16="http://schemas.microsoft.com/office/drawing/2014/main" id="{FCC03D25-9D56-85CD-2F39-242E1902C6E7}"/>
+              </a:ext>
+            </a:extLst>
+          </p:cNvPr>
+          <p:cNvSpPr txBox="1"/>
+          <p:nvPr/>
+        </p:nvSpPr>
+        <p:spPr>
+          <a:xfrm>
+            <a:off x="283030" y="224158"/>
+            <a:ext cx="3514104" cy="338554"/>
+          </a:xfrm>
+          <a:prstGeom prst="rect">
+            <a:avLst/>
+          </a:prstGeom>
+          <a:noFill/>
+        </p:spPr>
+        <p:txBody>
+          <a:bodyPr wrap="none" rtlCol="0">
+            <a:spAutoFit/>
+          </a:bodyPr>
+          <a:lstStyle/>
+          <a:p>
+            <a:r>
+              <a:rPr lang="ko-KR" altLang="en-US" sz="1600" dirty="0">
+                <a:solidFill>
+                  <a:schemeClr val="bg2">
+                    <a:lumMod val="75000"/>
+                  </a:schemeClr>
+                </a:solidFill>
+              </a:rPr>
+              <a:t>실험에 적용한 </a:t>
+            </a:r>
+            <a:r>
+              <a:rPr lang="en-US" altLang="ko-KR" sz="1600" dirty="0">
+                <a:solidFill>
+                  <a:schemeClr val="bg2">
+                    <a:lumMod val="75000"/>
+                  </a:schemeClr>
+                </a:solidFill>
+              </a:rPr>
+              <a:t>LSTM </a:t>
+            </a:r>
+            <a:r>
+              <a:rPr lang="ko-KR" altLang="en-US" sz="1600" dirty="0">
+                <a:solidFill>
+                  <a:schemeClr val="bg2">
+                    <a:lumMod val="75000"/>
+                  </a:schemeClr>
+                </a:solidFill>
+              </a:rPr>
+              <a:t>모델 파라미터 </a:t>
+            </a:r>
+          </a:p>
+        </p:txBody>
+      </p:sp>
+      <p:sp>
+        <p:nvSpPr>
+          <p:cNvPr id="12" name="TextBox 11">
+            <a:extLst>
+              <a:ext uri="{FF2B5EF4-FFF2-40B4-BE49-F238E27FC236}">
+                <a16:creationId xmlns:a16="http://schemas.microsoft.com/office/drawing/2014/main" id="{AC6B18C3-7701-CFB5-68DD-BA49E4C32731}"/>
+              </a:ext>
+            </a:extLst>
+          </p:cNvPr>
+          <p:cNvSpPr txBox="1"/>
+          <p:nvPr/>
+        </p:nvSpPr>
+        <p:spPr>
+          <a:xfrm>
+            <a:off x="8720220" y="5698356"/>
+            <a:ext cx="2631744" cy="307777"/>
+          </a:xfrm>
+          <a:prstGeom prst="rect">
+            <a:avLst/>
+          </a:prstGeom>
+          <a:noFill/>
+        </p:spPr>
+        <p:txBody>
+          <a:bodyPr wrap="square" rtlCol="0">
+            <a:spAutoFit/>
+          </a:bodyPr>
+          <a:lstStyle/>
+          <a:p>
+            <a:pPr marL="285750" indent="-285750">
+              <a:buFont typeface="Wingdings" panose="05000000000000000000" pitchFamily="2" charset="2"/>
+              <a:buChar char="Ø"/>
+            </a:pPr>
+            <a:r>
+              <a:rPr lang="en-US" altLang="ko-KR" sz="1400" dirty="0"/>
+              <a:t>stacked</a:t>
+            </a:r>
+            <a:r>
+              <a:rPr lang="ko-KR" altLang="en-US" sz="1400" dirty="0"/>
+              <a:t> </a:t>
+            </a:r>
+            <a:r>
+              <a:rPr lang="en-US" altLang="ko-KR" sz="1400" dirty="0"/>
+              <a:t>LSTM </a:t>
+            </a:r>
+            <a:r>
+              <a:rPr lang="ko-KR" altLang="en-US" sz="1400" dirty="0"/>
+              <a:t>모델 개략도 </a:t>
+            </a:r>
+          </a:p>
+        </p:txBody>
+      </p:sp>
+    </p:spTree>
+    <p:extLst>
+      <p:ext uri="{BB962C8B-B14F-4D97-AF65-F5344CB8AC3E}">
+        <p14:creationId xmlns:p14="http://schemas.microsoft.com/office/powerpoint/2010/main" val="3045058964"/>
+      </p:ext>
+    </p:extLst>
+  </p:cSld>
+  <p:clrMapOvr>
+    <a:masterClrMapping/>
+  </p:clrMapOvr>
+</p:sld>
+</file>
+
+<file path=ppt/slides/slide3.xml><?xml version="1.0" encoding="utf-8"?>
+<p:sld xmlns:a="http://schemas.openxmlformats.org/drawingml/2006/main" xmlns:r="http://schemas.openxmlformats.org/officeDocument/2006/relationships" xmlns:p="http://schemas.openxmlformats.org/presentationml/2006/main">
+  <p:cSld>
+    <p:spTree>
+      <p:nvGrpSpPr>
+        <p:cNvPr id="1" name="">
+          <a:extLst>
+            <a:ext uri="{FF2B5EF4-FFF2-40B4-BE49-F238E27FC236}">
+              <a16:creationId xmlns:a16="http://schemas.microsoft.com/office/drawing/2014/main" id="{E4017D24-CC95-511D-2DEA-326B4D67DE59}"/>
+            </a:ext>
+          </a:extLst>
+        </p:cNvPr>
+        <p:cNvGrpSpPr/>
+        <p:nvPr/>
+      </p:nvGrpSpPr>
+      <p:grpSpPr>
+        <a:xfrm>
+          <a:off x="0" y="0"/>
+          <a:ext cx="0" cy="0"/>
+          <a:chOff x="0" y="0"/>
+          <a:chExt cx="0" cy="0"/>
+        </a:xfrm>
+      </p:grpSpPr>
+      <p:cxnSp>
+        <p:nvCxnSpPr>
+          <p:cNvPr id="3" name="직선 연결선 2">
+            <a:extLst>
+              <a:ext uri="{FF2B5EF4-FFF2-40B4-BE49-F238E27FC236}">
+                <a16:creationId xmlns:a16="http://schemas.microsoft.com/office/drawing/2014/main" id="{249F4D55-04FF-2172-9B40-57E4A7B5DA83}"/>
+              </a:ext>
+            </a:extLst>
+          </p:cNvPr>
+          <p:cNvCxnSpPr>
+            <a:cxnSpLocks/>
+          </p:cNvCxnSpPr>
+          <p:nvPr/>
+        </p:nvCxnSpPr>
+        <p:spPr>
+          <a:xfrm>
+            <a:off x="283030" y="602904"/>
+            <a:ext cx="11594121" cy="0"/>
+          </a:xfrm>
+          <a:prstGeom prst="line">
+            <a:avLst/>
+          </a:prstGeom>
+          <a:ln>
+            <a:solidFill>
+              <a:schemeClr val="bg2">
+                <a:lumMod val="90000"/>
+              </a:schemeClr>
+            </a:solidFill>
+          </a:ln>
+        </p:spPr>
+        <p:style>
+          <a:lnRef idx="2">
+            <a:schemeClr val="accent1"/>
+          </a:lnRef>
+          <a:fillRef idx="0">
+            <a:schemeClr val="accent1"/>
+          </a:fillRef>
+          <a:effectRef idx="1">
+            <a:schemeClr val="accent1"/>
+          </a:effectRef>
+          <a:fontRef idx="minor">
+            <a:schemeClr val="tx1"/>
+          </a:fontRef>
+        </p:style>
+      </p:cxnSp>
+      <p:sp>
+        <p:nvSpPr>
+          <p:cNvPr id="5" name="TextBox 4">
+            <a:extLst>
+              <a:ext uri="{FF2B5EF4-FFF2-40B4-BE49-F238E27FC236}">
+                <a16:creationId xmlns:a16="http://schemas.microsoft.com/office/drawing/2014/main" id="{E83C9C32-7F7E-513F-A71E-C7CCB793EE98}"/>
+              </a:ext>
+            </a:extLst>
+          </p:cNvPr>
+          <p:cNvSpPr txBox="1"/>
+          <p:nvPr/>
+        </p:nvSpPr>
+        <p:spPr>
+          <a:xfrm>
+            <a:off x="11847007" y="6519446"/>
+            <a:ext cx="298480" cy="338554"/>
+          </a:xfrm>
+          <a:prstGeom prst="rect">
+            <a:avLst/>
+          </a:prstGeom>
+          <a:noFill/>
+        </p:spPr>
+        <p:txBody>
+          <a:bodyPr wrap="none" rtlCol="0">
+            <a:spAutoFit/>
+          </a:bodyPr>
+          <a:lstStyle/>
+          <a:p>
+            <a:r>
+              <a:rPr lang="en-US" altLang="ko-KR" sz="1600" dirty="0">
+                <a:solidFill>
+                  <a:schemeClr val="bg2">
+                    <a:lumMod val="75000"/>
+                  </a:schemeClr>
+                </a:solidFill>
+              </a:rPr>
+              <a:t>3</a:t>
+            </a:r>
+            <a:endParaRPr lang="ko-KR" altLang="en-US" sz="1600" dirty="0">
+              <a:solidFill>
+                <a:schemeClr val="bg2">
+                  <a:lumMod val="75000"/>
+                </a:schemeClr>
+              </a:solidFill>
+            </a:endParaRPr>
+          </a:p>
+        </p:txBody>
+      </p:sp>
+      <p:pic>
+        <p:nvPicPr>
+          <p:cNvPr id="4" name="그림 3">
+            <a:extLst>
+              <a:ext uri="{FF2B5EF4-FFF2-40B4-BE49-F238E27FC236}">
+                <a16:creationId xmlns:a16="http://schemas.microsoft.com/office/drawing/2014/main" id="{727672F1-EA6D-EF8C-4958-FE97EBAC0E2B}"/>
+              </a:ext>
+            </a:extLst>
+          </p:cNvPr>
+          <p:cNvPicPr>
+            <a:picLocks noChangeAspect="1"/>
+          </p:cNvPicPr>
+          <p:nvPr/>
+        </p:nvPicPr>
+        <p:blipFill>
+          <a:blip r:embed="rId2"/>
+          <a:stretch>
+            <a:fillRect/>
+          </a:stretch>
+        </p:blipFill>
+        <p:spPr>
+          <a:xfrm>
+            <a:off x="515042" y="2291241"/>
+            <a:ext cx="5257961" cy="2391524"/>
+          </a:xfrm>
+          <a:prstGeom prst="rect">
+            <a:avLst/>
+          </a:prstGeom>
+        </p:spPr>
+      </p:pic>
+      <p:sp>
+        <p:nvSpPr>
+          <p:cNvPr id="7" name="TextBox 6">
+            <a:extLst>
+              <a:ext uri="{FF2B5EF4-FFF2-40B4-BE49-F238E27FC236}">
+                <a16:creationId xmlns:a16="http://schemas.microsoft.com/office/drawing/2014/main" id="{A3F6E049-6A4A-844E-9833-D895516B648D}"/>
+              </a:ext>
+            </a:extLst>
+          </p:cNvPr>
+          <p:cNvSpPr txBox="1"/>
+          <p:nvPr/>
+        </p:nvSpPr>
+        <p:spPr>
+          <a:xfrm>
+            <a:off x="6022824" y="2291241"/>
+            <a:ext cx="5580958" cy="869790"/>
+          </a:xfrm>
+          <a:prstGeom prst="rect">
+            <a:avLst/>
+          </a:prstGeom>
+          <a:noFill/>
+          <a:ln>
+            <a:solidFill>
+              <a:schemeClr val="tx1"/>
+            </a:solidFill>
+          </a:ln>
+        </p:spPr>
+        <p:txBody>
+          <a:bodyPr wrap="square">
+            <a:spAutoFit/>
+          </a:bodyPr>
+          <a:lstStyle/>
+          <a:p>
+            <a:pPr>
+              <a:lnSpc>
+                <a:spcPct val="150000"/>
+              </a:lnSpc>
+            </a:pPr>
+            <a:r>
+              <a:rPr lang="ko-KR" altLang="en-US" dirty="0" err="1"/>
+              <a:t>out</a:t>
+            </a:r>
+            <a:r>
+              <a:rPr lang="ko-KR" altLang="en-US" dirty="0"/>
+              <a:t>, _ = </a:t>
+            </a:r>
+            <a:r>
+              <a:rPr lang="ko-KR" altLang="en-US" dirty="0" err="1"/>
+              <a:t>self.rnn</a:t>
+            </a:r>
+            <a:r>
+              <a:rPr lang="ko-KR" altLang="en-US" dirty="0"/>
+              <a:t>(</a:t>
+            </a:r>
+            <a:r>
+              <a:rPr lang="ko-KR" altLang="en-US" dirty="0" err="1"/>
+              <a:t>x</a:t>
+            </a:r>
+            <a:r>
+              <a:rPr lang="ko-KR" altLang="en-US" dirty="0"/>
+              <a:t>) </a:t>
+            </a:r>
+            <a:r>
+              <a:rPr lang="en-US" altLang="ko-KR" dirty="0"/>
+              <a:t>: </a:t>
+            </a:r>
+            <a:r>
+              <a:rPr lang="ko-KR" altLang="en-US" dirty="0"/>
+              <a:t>순서대로 </a:t>
+            </a:r>
+            <a:r>
+              <a:rPr lang="en-US" altLang="ko-KR" dirty="0"/>
+              <a:t>timestep </a:t>
+            </a:r>
+            <a:r>
+              <a:rPr lang="ko-KR" altLang="en-US" dirty="0"/>
+              <a:t>하나씩 계산</a:t>
+            </a:r>
+          </a:p>
+          <a:p>
+            <a:pPr>
+              <a:lnSpc>
+                <a:spcPct val="150000"/>
+              </a:lnSpc>
+            </a:pPr>
+            <a:r>
+              <a:rPr lang="ko-KR" altLang="en-US" dirty="0" err="1"/>
+              <a:t>h_last</a:t>
+            </a:r>
+            <a:r>
+              <a:rPr lang="ko-KR" altLang="en-US" dirty="0"/>
+              <a:t> = </a:t>
+            </a:r>
+            <a:r>
+              <a:rPr lang="ko-KR" altLang="en-US" dirty="0" err="1"/>
+              <a:t>out</a:t>
+            </a:r>
+            <a:r>
+              <a:rPr lang="ko-KR" altLang="en-US" dirty="0"/>
+              <a:t>[:, -1, :] </a:t>
+            </a:r>
+            <a:r>
+              <a:rPr lang="en-US" altLang="ko-KR" dirty="0"/>
+              <a:t>: </a:t>
+            </a:r>
+            <a:r>
+              <a:rPr lang="ko-KR" altLang="en-US" dirty="0"/>
+              <a:t> 마지막 시점의 </a:t>
+            </a:r>
+            <a:r>
+              <a:rPr lang="en-US" altLang="ko-KR" dirty="0"/>
+              <a:t>hidden state</a:t>
+            </a:r>
+          </a:p>
+        </p:txBody>
+      </p:sp>
+      <p:sp>
+        <p:nvSpPr>
+          <p:cNvPr id="12" name="TextBox 11">
+            <a:extLst>
+              <a:ext uri="{FF2B5EF4-FFF2-40B4-BE49-F238E27FC236}">
+                <a16:creationId xmlns:a16="http://schemas.microsoft.com/office/drawing/2014/main" id="{AFE8F09B-A312-5DF1-82E8-DD35910FE42D}"/>
+              </a:ext>
+            </a:extLst>
+          </p:cNvPr>
+          <p:cNvSpPr txBox="1"/>
+          <p:nvPr/>
+        </p:nvSpPr>
+        <p:spPr>
+          <a:xfrm>
+            <a:off x="283030" y="224158"/>
+            <a:ext cx="3514104" cy="338554"/>
+          </a:xfrm>
+          <a:prstGeom prst="rect">
+            <a:avLst/>
+          </a:prstGeom>
+          <a:noFill/>
+        </p:spPr>
+        <p:txBody>
+          <a:bodyPr wrap="none" rtlCol="0">
+            <a:spAutoFit/>
+          </a:bodyPr>
+          <a:lstStyle/>
+          <a:p>
+            <a:r>
+              <a:rPr lang="ko-KR" altLang="en-US" sz="1600" dirty="0">
+                <a:solidFill>
+                  <a:schemeClr val="bg2">
+                    <a:lumMod val="75000"/>
+                  </a:schemeClr>
+                </a:solidFill>
+              </a:rPr>
+              <a:t>실험에 적용한 </a:t>
+            </a:r>
+            <a:r>
+              <a:rPr lang="en-US" altLang="ko-KR" sz="1600" dirty="0">
+                <a:solidFill>
+                  <a:schemeClr val="bg2">
+                    <a:lumMod val="75000"/>
+                  </a:schemeClr>
+                </a:solidFill>
+              </a:rPr>
+              <a:t>LSTM </a:t>
+            </a:r>
+            <a:r>
+              <a:rPr lang="ko-KR" altLang="en-US" sz="1600" dirty="0">
+                <a:solidFill>
+                  <a:schemeClr val="bg2">
+                    <a:lumMod val="75000"/>
+                  </a:schemeClr>
+                </a:solidFill>
+              </a:rPr>
+              <a:t>모델 파라미터 </a:t>
+            </a:r>
+          </a:p>
+        </p:txBody>
+      </p:sp>
+      <p:sp>
+        <p:nvSpPr>
+          <p:cNvPr id="13" name="직사각형 12">
+            <a:extLst>
+              <a:ext uri="{FF2B5EF4-FFF2-40B4-BE49-F238E27FC236}">
+                <a16:creationId xmlns:a16="http://schemas.microsoft.com/office/drawing/2014/main" id="{1DE04969-F517-7B9F-2289-7705521108B2}"/>
+              </a:ext>
+            </a:extLst>
+          </p:cNvPr>
+          <p:cNvSpPr/>
+          <p:nvPr/>
+        </p:nvSpPr>
+        <p:spPr>
+          <a:xfrm>
+            <a:off x="928047" y="3030842"/>
+            <a:ext cx="2869087" cy="763235"/>
+          </a:xfrm>
+          <a:prstGeom prst="rect">
+            <a:avLst/>
+          </a:prstGeom>
+          <a:noFill/>
+          <a:ln w="38100">
+            <a:solidFill>
+              <a:srgbClr val="FF0000"/>
+            </a:solidFill>
+          </a:ln>
+        </p:spPr>
+        <p:style>
+          <a:lnRef idx="2">
+            <a:schemeClr val="accent1">
+              <a:shade val="15000"/>
+            </a:schemeClr>
+          </a:lnRef>
+          <a:fillRef idx="1">
+            <a:schemeClr val="accent1"/>
+          </a:fillRef>
+          <a:effectRef idx="0">
+            <a:schemeClr val="accent1"/>
+          </a:effectRef>
+          <a:fontRef idx="minor">
+            <a:schemeClr val="lt1"/>
+          </a:fontRef>
+        </p:style>
+        <p:txBody>
+          <a:bodyPr rtlCol="0" anchor="ctr"/>
+          <a:lstStyle/>
+          <a:p>
+            <a:pPr algn="ctr"/>
+            <a:endParaRPr lang="ko-KR" altLang="en-US"/>
+          </a:p>
+        </p:txBody>
+      </p:sp>
+      <p:sp>
+        <p:nvSpPr>
+          <p:cNvPr id="15" name="TextBox 14">
+            <a:extLst>
+              <a:ext uri="{FF2B5EF4-FFF2-40B4-BE49-F238E27FC236}">
+                <a16:creationId xmlns:a16="http://schemas.microsoft.com/office/drawing/2014/main" id="{DDCF731A-060D-2630-B448-ED03E2119E5C}"/>
+              </a:ext>
+            </a:extLst>
+          </p:cNvPr>
+          <p:cNvSpPr txBox="1"/>
+          <p:nvPr/>
+        </p:nvSpPr>
+        <p:spPr>
+          <a:xfrm>
+            <a:off x="6063768" y="3224288"/>
+            <a:ext cx="5783239" cy="869790"/>
+          </a:xfrm>
+          <a:prstGeom prst="rect">
+            <a:avLst/>
+          </a:prstGeom>
+          <a:noFill/>
+        </p:spPr>
+        <p:txBody>
+          <a:bodyPr wrap="square">
+            <a:spAutoFit/>
+          </a:bodyPr>
+          <a:lstStyle/>
+          <a:p>
+            <a:pPr>
+              <a:lnSpc>
+                <a:spcPct val="150000"/>
+              </a:lnSpc>
+            </a:pPr>
+            <a:r>
+              <a:rPr lang="en-US" altLang="ko-KR" dirty="0">
+                <a:solidFill>
+                  <a:srgbClr val="FF0000"/>
+                </a:solidFill>
+              </a:rPr>
+              <a:t> </a:t>
+            </a:r>
+            <a:r>
+              <a:rPr lang="ko-KR" altLang="en-US" dirty="0">
+                <a:solidFill>
+                  <a:srgbClr val="FF0000"/>
+                </a:solidFill>
+              </a:rPr>
+              <a:t>⇒</a:t>
+            </a:r>
+            <a:r>
+              <a:rPr lang="en-US" altLang="ko-KR" dirty="0">
+                <a:solidFill>
+                  <a:srgbClr val="FF0000"/>
+                </a:solidFill>
+              </a:rPr>
+              <a:t>1000</a:t>
+            </a:r>
+            <a:r>
+              <a:rPr lang="ko-KR" altLang="en-US" dirty="0">
+                <a:solidFill>
+                  <a:srgbClr val="FF0000"/>
+                </a:solidFill>
+              </a:rPr>
+              <a:t>번째 시점까지 순서대로 계산하면서 누적해온 최종결과 </a:t>
+            </a:r>
+            <a:r>
+              <a:rPr lang="en-US" altLang="ko-KR" dirty="0">
+                <a:solidFill>
+                  <a:srgbClr val="FF0000"/>
+                </a:solidFill>
+              </a:rPr>
+              <a:t>(long</a:t>
+            </a:r>
+            <a:r>
+              <a:rPr lang="ko-KR" altLang="en-US" dirty="0">
+                <a:solidFill>
+                  <a:srgbClr val="FF0000"/>
+                </a:solidFill>
+              </a:rPr>
+              <a:t> </a:t>
+            </a:r>
+            <a:r>
+              <a:rPr lang="en-US" altLang="ko-KR" dirty="0">
+                <a:solidFill>
+                  <a:srgbClr val="FF0000"/>
+                </a:solidFill>
+              </a:rPr>
+              <a:t>term</a:t>
+            </a:r>
+            <a:r>
+              <a:rPr lang="ko-KR" altLang="en-US" dirty="0">
+                <a:solidFill>
+                  <a:srgbClr val="FF0000"/>
+                </a:solidFill>
+              </a:rPr>
+              <a:t> </a:t>
+            </a:r>
+            <a:r>
+              <a:rPr lang="en-US" altLang="ko-KR" dirty="0">
+                <a:solidFill>
+                  <a:srgbClr val="FF0000"/>
+                </a:solidFill>
+              </a:rPr>
+              <a:t>memory</a:t>
+            </a:r>
+            <a:r>
+              <a:rPr lang="ko-KR" altLang="en-US" dirty="0">
+                <a:solidFill>
+                  <a:srgbClr val="FF0000"/>
+                </a:solidFill>
+              </a:rPr>
+              <a:t>가 반영된 </a:t>
+            </a:r>
+            <a:r>
+              <a:rPr lang="en-US" altLang="ko-KR" dirty="0">
+                <a:solidFill>
+                  <a:srgbClr val="FF0000"/>
+                </a:solidFill>
+              </a:rPr>
+              <a:t>short term)</a:t>
+            </a:r>
+            <a:endParaRPr lang="ko-KR" altLang="en-US" dirty="0">
+              <a:solidFill>
+                <a:srgbClr val="FF0000"/>
+              </a:solidFill>
+            </a:endParaRPr>
+          </a:p>
+        </p:txBody>
+      </p:sp>
+    </p:spTree>
+    <p:extLst>
+      <p:ext uri="{BB962C8B-B14F-4D97-AF65-F5344CB8AC3E}">
+        <p14:creationId xmlns:p14="http://schemas.microsoft.com/office/powerpoint/2010/main" val="3761104278"/>
+      </p:ext>
+    </p:extLst>
+  </p:cSld>
+  <p:clrMapOvr>
+    <a:masterClrMapping/>
+  </p:clrMapOvr>
+</p:sld>
+</file>
+
+<file path=ppt/slides/slide4.xml><?xml version="1.0" encoding="utf-8"?>
+<p:sld xmlns:a="http://schemas.openxmlformats.org/drawingml/2006/main" xmlns:r="http://schemas.openxmlformats.org/officeDocument/2006/relationships" xmlns:p="http://schemas.openxmlformats.org/presentationml/2006/main">
+  <p:cSld>
+    <p:spTree>
+      <p:nvGrpSpPr>
+        <p:cNvPr id="1" name="">
+          <a:extLst>
+            <a:ext uri="{FF2B5EF4-FFF2-40B4-BE49-F238E27FC236}">
+              <a16:creationId xmlns:a16="http://schemas.microsoft.com/office/drawing/2014/main" id="{4F64C7BC-108C-A1D6-641D-07F6340C2D1C}"/>
+            </a:ext>
+          </a:extLst>
+        </p:cNvPr>
+        <p:cNvGrpSpPr/>
+        <p:nvPr/>
+      </p:nvGrpSpPr>
+      <p:grpSpPr>
+        <a:xfrm>
+          <a:off x="0" y="0"/>
+          <a:ext cx="0" cy="0"/>
+          <a:chOff x="0" y="0"/>
+          <a:chExt cx="0" cy="0"/>
+        </a:xfrm>
+      </p:grpSpPr>
+      <p:cxnSp>
+        <p:nvCxnSpPr>
+          <p:cNvPr id="3" name="직선 연결선 2">
+            <a:extLst>
+              <a:ext uri="{FF2B5EF4-FFF2-40B4-BE49-F238E27FC236}">
+                <a16:creationId xmlns:a16="http://schemas.microsoft.com/office/drawing/2014/main" id="{D0BFBF6F-4294-4466-60B4-D755F771E174}"/>
+              </a:ext>
+            </a:extLst>
+          </p:cNvPr>
+          <p:cNvCxnSpPr>
+            <a:cxnSpLocks/>
+          </p:cNvCxnSpPr>
+          <p:nvPr/>
+        </p:nvCxnSpPr>
+        <p:spPr>
+          <a:xfrm>
+            <a:off x="283030" y="602904"/>
+            <a:ext cx="11594121" cy="0"/>
+          </a:xfrm>
+          <a:prstGeom prst="line">
+            <a:avLst/>
+          </a:prstGeom>
+          <a:ln>
+            <a:solidFill>
+              <a:schemeClr val="bg2">
+                <a:lumMod val="90000"/>
+              </a:schemeClr>
+            </a:solidFill>
+          </a:ln>
+        </p:spPr>
+        <p:style>
+          <a:lnRef idx="2">
+            <a:schemeClr val="accent1"/>
+          </a:lnRef>
+          <a:fillRef idx="0">
+            <a:schemeClr val="accent1"/>
+          </a:fillRef>
+          <a:effectRef idx="1">
+            <a:schemeClr val="accent1"/>
+          </a:effectRef>
+          <a:fontRef idx="minor">
+            <a:schemeClr val="tx1"/>
+          </a:fontRef>
+        </p:style>
+      </p:cxnSp>
+      <p:sp>
+        <p:nvSpPr>
+          <p:cNvPr id="5" name="TextBox 4">
+            <a:extLst>
+              <a:ext uri="{FF2B5EF4-FFF2-40B4-BE49-F238E27FC236}">
+                <a16:creationId xmlns:a16="http://schemas.microsoft.com/office/drawing/2014/main" id="{6DA2EA5A-DA67-E52C-9982-750B7BD6B168}"/>
+              </a:ext>
+            </a:extLst>
+          </p:cNvPr>
+          <p:cNvSpPr txBox="1"/>
+          <p:nvPr/>
+        </p:nvSpPr>
+        <p:spPr>
+          <a:xfrm>
+            <a:off x="11847007" y="6519446"/>
+            <a:ext cx="298480" cy="338554"/>
+          </a:xfrm>
+          <a:prstGeom prst="rect">
+            <a:avLst/>
+          </a:prstGeom>
+          <a:noFill/>
+        </p:spPr>
+        <p:txBody>
+          <a:bodyPr wrap="none" rtlCol="0">
+            <a:spAutoFit/>
+          </a:bodyPr>
+          <a:lstStyle/>
+          <a:p>
+            <a:r>
+              <a:rPr lang="en-US" altLang="ko-KR" sz="1600" dirty="0">
+                <a:solidFill>
+                  <a:schemeClr val="bg2">
+                    <a:lumMod val="75000"/>
+                  </a:schemeClr>
+                </a:solidFill>
+              </a:rPr>
+              <a:t>4</a:t>
+            </a:r>
+            <a:endParaRPr lang="ko-KR" altLang="en-US" sz="1600" dirty="0">
+              <a:solidFill>
+                <a:schemeClr val="bg2">
+                  <a:lumMod val="75000"/>
+                </a:schemeClr>
+              </a:solidFill>
+            </a:endParaRPr>
+          </a:p>
+        </p:txBody>
+      </p:sp>
+      <p:sp>
+        <p:nvSpPr>
+          <p:cNvPr id="4" name="TextBox 3">
+            <a:extLst>
+              <a:ext uri="{FF2B5EF4-FFF2-40B4-BE49-F238E27FC236}">
+                <a16:creationId xmlns:a16="http://schemas.microsoft.com/office/drawing/2014/main" id="{29991F53-CE27-7BD0-4142-F970F38B2FAF}"/>
+              </a:ext>
+            </a:extLst>
+          </p:cNvPr>
+          <p:cNvSpPr txBox="1"/>
+          <p:nvPr/>
+        </p:nvSpPr>
+        <p:spPr>
+          <a:xfrm>
+            <a:off x="283030" y="224158"/>
+            <a:ext cx="3514104" cy="338554"/>
+          </a:xfrm>
+          <a:prstGeom prst="rect">
+            <a:avLst/>
+          </a:prstGeom>
+          <a:noFill/>
+        </p:spPr>
+        <p:txBody>
+          <a:bodyPr wrap="none" rtlCol="0">
+            <a:spAutoFit/>
+          </a:bodyPr>
+          <a:lstStyle/>
+          <a:p>
+            <a:r>
+              <a:rPr lang="en-US" altLang="ko-KR" sz="1600" dirty="0">
+                <a:solidFill>
+                  <a:schemeClr val="bg2">
+                    <a:lumMod val="75000"/>
+                  </a:schemeClr>
+                </a:solidFill>
+              </a:rPr>
+              <a:t> LSTM</a:t>
+            </a:r>
+            <a:r>
+              <a:rPr lang="ko-KR" altLang="en-US" sz="1600" dirty="0">
+                <a:solidFill>
+                  <a:schemeClr val="bg2">
+                    <a:lumMod val="75000"/>
+                  </a:schemeClr>
+                </a:solidFill>
+              </a:rPr>
+              <a:t>과 일반 </a:t>
+            </a:r>
+            <a:r>
+              <a:rPr lang="ko-KR" altLang="en-US" sz="1600" dirty="0" err="1">
+                <a:solidFill>
+                  <a:schemeClr val="bg2">
+                    <a:lumMod val="75000"/>
+                  </a:schemeClr>
+                </a:solidFill>
+              </a:rPr>
+              <a:t>다변수</a:t>
+            </a:r>
+            <a:r>
+              <a:rPr lang="ko-KR" altLang="en-US" sz="1600" dirty="0">
+                <a:solidFill>
+                  <a:schemeClr val="bg2">
+                    <a:lumMod val="75000"/>
+                  </a:schemeClr>
+                </a:solidFill>
+              </a:rPr>
+              <a:t> 모델과의 차이</a:t>
+            </a:r>
+          </a:p>
+        </p:txBody>
+      </p:sp>
+      <p:sp>
+        <p:nvSpPr>
+          <p:cNvPr id="9" name="TextBox 8">
+            <a:extLst>
+              <a:ext uri="{FF2B5EF4-FFF2-40B4-BE49-F238E27FC236}">
+                <a16:creationId xmlns:a16="http://schemas.microsoft.com/office/drawing/2014/main" id="{BDF8355E-285D-17E4-33FC-EBE2F4EFA2C4}"/>
+              </a:ext>
+            </a:extLst>
+          </p:cNvPr>
+          <p:cNvSpPr txBox="1"/>
+          <p:nvPr/>
+        </p:nvSpPr>
+        <p:spPr>
+          <a:xfrm>
+            <a:off x="6011850" y="1665722"/>
+            <a:ext cx="5766917" cy="3778278"/>
+          </a:xfrm>
+          <a:prstGeom prst="rect">
+            <a:avLst/>
+          </a:prstGeom>
+        </p:spPr>
+        <p:style>
+          <a:lnRef idx="2">
+            <a:schemeClr val="dk1"/>
+          </a:lnRef>
+          <a:fillRef idx="1">
+            <a:schemeClr val="lt1"/>
+          </a:fillRef>
+          <a:effectRef idx="0">
+            <a:schemeClr val="dk1"/>
+          </a:effectRef>
+          <a:fontRef idx="minor">
+            <a:schemeClr val="dk1"/>
+          </a:fontRef>
+        </p:style>
+        <p:txBody>
+          <a:bodyPr wrap="square" rtlCol="0">
+            <a:spAutoFit/>
+          </a:bodyPr>
+          <a:lstStyle/>
+          <a:p>
+            <a:pPr>
+              <a:lnSpc>
+                <a:spcPct val="150000"/>
+              </a:lnSpc>
+            </a:pPr>
+            <a:r>
+              <a:rPr lang="ko-KR" altLang="en-US" dirty="0"/>
+              <a:t>일반 </a:t>
+            </a:r>
+            <a:r>
+              <a:rPr lang="ko-KR" altLang="en-US" dirty="0" err="1"/>
+              <a:t>다변수</a:t>
+            </a:r>
+            <a:r>
+              <a:rPr lang="ko-KR" altLang="en-US" dirty="0"/>
+              <a:t> 모델에서는 과거 기억과 순서 없이 </a:t>
+            </a:r>
+            <a:endParaRPr lang="en-US" altLang="ko-KR" dirty="0"/>
+          </a:p>
+          <a:p>
+            <a:pPr>
+              <a:lnSpc>
+                <a:spcPct val="150000"/>
+              </a:lnSpc>
+            </a:pPr>
+            <a:r>
+              <a:rPr lang="ko-KR" altLang="en-US" dirty="0"/>
+              <a:t>변수를 특징으로 학습</a:t>
+            </a:r>
+            <a:endParaRPr lang="en-US" altLang="ko-KR" dirty="0"/>
+          </a:p>
+          <a:p>
+            <a:pPr>
+              <a:lnSpc>
+                <a:spcPct val="150000"/>
+              </a:lnSpc>
+            </a:pPr>
+            <a:endParaRPr lang="en-US" altLang="ko-KR" dirty="0"/>
+          </a:p>
+          <a:p>
+            <a:pPr>
+              <a:lnSpc>
+                <a:spcPct val="150000"/>
+              </a:lnSpc>
+            </a:pPr>
+            <a:r>
+              <a:rPr lang="en-US" altLang="ko-KR" dirty="0"/>
+              <a:t>LSTM </a:t>
+            </a:r>
+            <a:r>
+              <a:rPr lang="ko-KR" altLang="en-US" dirty="0"/>
+              <a:t>모델은 </a:t>
+            </a:r>
+            <a:r>
+              <a:rPr lang="en-US" altLang="ko-KR" dirty="0"/>
+              <a:t>1000timestep</a:t>
+            </a:r>
+            <a:r>
+              <a:rPr lang="ko-KR" altLang="en-US" dirty="0"/>
+              <a:t>을 지난 </a:t>
+            </a:r>
+            <a:r>
+              <a:rPr lang="en-US" altLang="ko-KR" dirty="0"/>
+              <a:t>long term memory</a:t>
+            </a:r>
+            <a:r>
+              <a:rPr lang="ko-KR" altLang="en-US" dirty="0"/>
+              <a:t>가</a:t>
+            </a:r>
+            <a:r>
+              <a:rPr lang="en-US" altLang="ko-KR" dirty="0"/>
+              <a:t> </a:t>
+            </a:r>
+            <a:r>
+              <a:rPr lang="ko-KR" altLang="en-US" dirty="0"/>
+              <a:t>반영된 </a:t>
+            </a:r>
+            <a:r>
+              <a:rPr lang="en-US" altLang="ko-KR" dirty="0"/>
+              <a:t>short term state</a:t>
+            </a:r>
+            <a:r>
+              <a:rPr lang="ko-KR" altLang="en-US" dirty="0"/>
+              <a:t>에</a:t>
+            </a:r>
+            <a:r>
+              <a:rPr lang="en-US" altLang="ko-KR" dirty="0"/>
+              <a:t> </a:t>
+            </a:r>
+            <a:r>
+              <a:rPr lang="ko-KR" altLang="en-US" dirty="0"/>
+              <a:t>보조적인 정적 변수인 </a:t>
+            </a:r>
+            <a:r>
+              <a:rPr lang="en-US" altLang="ko-KR" dirty="0"/>
+              <a:t>depth</a:t>
+            </a:r>
+            <a:r>
+              <a:rPr lang="ko-KR" altLang="en-US" dirty="0"/>
+              <a:t>를 결합하는 </a:t>
+            </a:r>
+            <a:r>
+              <a:rPr lang="en-US" altLang="ko-KR" dirty="0"/>
+              <a:t>late fusion </a:t>
+            </a:r>
+            <a:r>
+              <a:rPr lang="ko-KR" altLang="en-US" dirty="0"/>
+              <a:t>구조</a:t>
+            </a:r>
+            <a:endParaRPr lang="en-US" altLang="ko-KR" dirty="0"/>
+          </a:p>
+          <a:p>
+            <a:pPr>
+              <a:lnSpc>
+                <a:spcPct val="150000"/>
+              </a:lnSpc>
+            </a:pPr>
+            <a:endParaRPr lang="en-US" altLang="ko-KR" dirty="0"/>
+          </a:p>
+          <a:p>
+            <a:pPr>
+              <a:lnSpc>
+                <a:spcPct val="150000"/>
+              </a:lnSpc>
+            </a:pPr>
+            <a:r>
+              <a:rPr lang="ko-KR" altLang="en-US" dirty="0">
+                <a:solidFill>
+                  <a:srgbClr val="FF0000"/>
+                </a:solidFill>
+              </a:rPr>
+              <a:t>⇒</a:t>
+            </a:r>
+            <a:r>
+              <a:rPr lang="en-US" altLang="ko-KR" dirty="0">
+                <a:solidFill>
+                  <a:srgbClr val="FF0000"/>
+                </a:solidFill>
+              </a:rPr>
+              <a:t> </a:t>
+            </a:r>
+            <a:r>
+              <a:rPr lang="ko-KR" altLang="en-US" dirty="0">
+                <a:solidFill>
+                  <a:srgbClr val="FF0000"/>
+                </a:solidFill>
+              </a:rPr>
+              <a:t>단순 </a:t>
+            </a:r>
+            <a:r>
+              <a:rPr lang="en-US" altLang="ko-KR" dirty="0">
+                <a:solidFill>
+                  <a:srgbClr val="FF0000"/>
+                </a:solidFill>
+              </a:rPr>
+              <a:t>2</a:t>
+            </a:r>
+            <a:r>
+              <a:rPr lang="ko-KR" altLang="en-US" dirty="0">
+                <a:solidFill>
+                  <a:srgbClr val="FF0000"/>
+                </a:solidFill>
+              </a:rPr>
+              <a:t>변수 모델에서는 전압신호와 </a:t>
+            </a:r>
+            <a:r>
+              <a:rPr lang="ko-KR" altLang="en-US" dirty="0" err="1">
+                <a:solidFill>
+                  <a:srgbClr val="FF0000"/>
+                </a:solidFill>
+              </a:rPr>
+              <a:t>가공깊이의</a:t>
+            </a:r>
+            <a:r>
+              <a:rPr lang="ko-KR" altLang="en-US" dirty="0">
+                <a:solidFill>
+                  <a:srgbClr val="FF0000"/>
+                </a:solidFill>
+              </a:rPr>
+              <a:t> </a:t>
+            </a:r>
+            <a:endParaRPr lang="en-US" altLang="ko-KR" dirty="0">
+              <a:solidFill>
+                <a:srgbClr val="FF0000"/>
+              </a:solidFill>
+            </a:endParaRPr>
+          </a:p>
+          <a:p>
+            <a:pPr>
+              <a:lnSpc>
+                <a:spcPct val="150000"/>
+              </a:lnSpc>
+            </a:pPr>
+            <a:r>
+              <a:rPr lang="ko-KR" altLang="en-US" dirty="0">
+                <a:solidFill>
+                  <a:srgbClr val="FF0000"/>
+                </a:solidFill>
+              </a:rPr>
+              <a:t>조합으로 임의로 </a:t>
+            </a:r>
+            <a:r>
+              <a:rPr lang="en-US" altLang="ko-KR" dirty="0">
+                <a:solidFill>
+                  <a:srgbClr val="FF0000"/>
+                </a:solidFill>
+              </a:rPr>
+              <a:t>command</a:t>
+            </a:r>
+            <a:r>
+              <a:rPr lang="ko-KR" altLang="en-US" dirty="0">
+                <a:solidFill>
+                  <a:srgbClr val="FF0000"/>
+                </a:solidFill>
+              </a:rPr>
+              <a:t>를 판단할 위험 커짐</a:t>
+            </a:r>
+          </a:p>
+        </p:txBody>
+      </p:sp>
+      <p:pic>
+        <p:nvPicPr>
+          <p:cNvPr id="10" name="그림 9">
+            <a:extLst>
+              <a:ext uri="{FF2B5EF4-FFF2-40B4-BE49-F238E27FC236}">
+                <a16:creationId xmlns:a16="http://schemas.microsoft.com/office/drawing/2014/main" id="{06E98BDF-EDD4-F075-C835-A7BF2346E92B}"/>
+              </a:ext>
+            </a:extLst>
+          </p:cNvPr>
+          <p:cNvPicPr>
+            <a:picLocks noChangeAspect="1"/>
+          </p:cNvPicPr>
+          <p:nvPr/>
+        </p:nvPicPr>
+        <p:blipFill>
+          <a:blip r:embed="rId2"/>
+          <a:stretch>
+            <a:fillRect/>
+          </a:stretch>
+        </p:blipFill>
+        <p:spPr>
+          <a:xfrm>
+            <a:off x="392210" y="2291241"/>
+            <a:ext cx="5257961" cy="2391524"/>
+          </a:xfrm>
+          <a:prstGeom prst="rect">
+            <a:avLst/>
+          </a:prstGeom>
+        </p:spPr>
+      </p:pic>
+      <p:sp>
+        <p:nvSpPr>
+          <p:cNvPr id="11" name="직사각형 10">
+            <a:extLst>
+              <a:ext uri="{FF2B5EF4-FFF2-40B4-BE49-F238E27FC236}">
+                <a16:creationId xmlns:a16="http://schemas.microsoft.com/office/drawing/2014/main" id="{6EBA2739-F3E1-551F-7B10-EAE9FF4CA4A7}"/>
+              </a:ext>
+            </a:extLst>
+          </p:cNvPr>
+          <p:cNvSpPr/>
+          <p:nvPr/>
+        </p:nvSpPr>
+        <p:spPr>
+          <a:xfrm>
+            <a:off x="805215" y="3822415"/>
+            <a:ext cx="4844956" cy="763235"/>
+          </a:xfrm>
+          <a:prstGeom prst="rect">
+            <a:avLst/>
+          </a:prstGeom>
+          <a:noFill/>
+          <a:ln w="38100">
+            <a:solidFill>
+              <a:srgbClr val="FF0000"/>
+            </a:solidFill>
+          </a:ln>
+        </p:spPr>
+        <p:style>
+          <a:lnRef idx="2">
+            <a:schemeClr val="accent1">
+              <a:shade val="15000"/>
+            </a:schemeClr>
+          </a:lnRef>
+          <a:fillRef idx="1">
+            <a:schemeClr val="accent1"/>
+          </a:fillRef>
+          <a:effectRef idx="0">
+            <a:schemeClr val="accent1"/>
+          </a:effectRef>
+          <a:fontRef idx="minor">
+            <a:schemeClr val="lt1"/>
+          </a:fontRef>
+        </p:style>
+        <p:txBody>
+          <a:bodyPr rtlCol="0" anchor="ctr"/>
+          <a:lstStyle/>
+          <a:p>
+            <a:pPr algn="ctr"/>
+            <a:endParaRPr lang="ko-KR" altLang="en-US"/>
+          </a:p>
+        </p:txBody>
+      </p:sp>
+    </p:spTree>
+    <p:extLst>
+      <p:ext uri="{BB962C8B-B14F-4D97-AF65-F5344CB8AC3E}">
+        <p14:creationId xmlns:p14="http://schemas.microsoft.com/office/powerpoint/2010/main" val="3260557654"/>
+      </p:ext>
+    </p:extLst>
+  </p:cSld>
+  <p:clrMapOvr>
+    <a:masterClrMapping/>
+  </p:clrMapOvr>
+</p:sld>
+</file>
+
+<file path=ppt/slides/slide5.xml><?xml version="1.0" encoding="utf-8"?>
+<p:sld xmlns:a="http://schemas.openxmlformats.org/drawingml/2006/main" xmlns:r="http://schemas.openxmlformats.org/officeDocument/2006/relationships" xmlns:p="http://schemas.openxmlformats.org/presentationml/2006/main">
+  <p:cSld>
+    <p:spTree>
+      <p:nvGrpSpPr>
+        <p:cNvPr id="1" name="">
+          <a:extLst>
+            <a:ext uri="{FF2B5EF4-FFF2-40B4-BE49-F238E27FC236}">
+              <a16:creationId xmlns:a16="http://schemas.microsoft.com/office/drawing/2014/main" id="{BBEFC1F5-02A5-5F66-0B3D-88471189E63F}"/>
+            </a:ext>
+          </a:extLst>
+        </p:cNvPr>
+        <p:cNvGrpSpPr/>
+        <p:nvPr/>
+      </p:nvGrpSpPr>
+      <p:grpSpPr>
+        <a:xfrm>
+          <a:off x="0" y="0"/>
+          <a:ext cx="0" cy="0"/>
+          <a:chOff x="0" y="0"/>
+          <a:chExt cx="0" cy="0"/>
+        </a:xfrm>
+      </p:grpSpPr>
+      <p:cxnSp>
+        <p:nvCxnSpPr>
+          <p:cNvPr id="3" name="직선 연결선 2">
+            <a:extLst>
+              <a:ext uri="{FF2B5EF4-FFF2-40B4-BE49-F238E27FC236}">
+                <a16:creationId xmlns:a16="http://schemas.microsoft.com/office/drawing/2014/main" id="{F53769D2-25D3-9272-07C9-D0AB22C1F851}"/>
+              </a:ext>
+            </a:extLst>
+          </p:cNvPr>
+          <p:cNvCxnSpPr>
+            <a:cxnSpLocks/>
+          </p:cNvCxnSpPr>
+          <p:nvPr/>
+        </p:nvCxnSpPr>
+        <p:spPr>
+          <a:xfrm>
+            <a:off x="283030" y="602904"/>
+            <a:ext cx="11594121" cy="0"/>
+          </a:xfrm>
+          <a:prstGeom prst="line">
+            <a:avLst/>
+          </a:prstGeom>
+          <a:ln>
+            <a:solidFill>
+              <a:schemeClr val="bg2">
+                <a:lumMod val="90000"/>
+              </a:schemeClr>
+            </a:solidFill>
+          </a:ln>
+        </p:spPr>
+        <p:style>
+          <a:lnRef idx="2">
+            <a:schemeClr val="accent1"/>
+          </a:lnRef>
+          <a:fillRef idx="0">
+            <a:schemeClr val="accent1"/>
+          </a:fillRef>
+          <a:effectRef idx="1">
+            <a:schemeClr val="accent1"/>
+          </a:effectRef>
+          <a:fontRef idx="minor">
+            <a:schemeClr val="tx1"/>
+          </a:fontRef>
+        </p:style>
+      </p:cxnSp>
+      <p:sp>
+        <p:nvSpPr>
+          <p:cNvPr id="5" name="TextBox 4">
+            <a:extLst>
+              <a:ext uri="{FF2B5EF4-FFF2-40B4-BE49-F238E27FC236}">
+                <a16:creationId xmlns:a16="http://schemas.microsoft.com/office/drawing/2014/main" id="{61E8E5DF-33D6-8ECE-C268-2F740FC77526}"/>
+              </a:ext>
+            </a:extLst>
+          </p:cNvPr>
+          <p:cNvSpPr txBox="1"/>
+          <p:nvPr/>
+        </p:nvSpPr>
+        <p:spPr>
+          <a:xfrm>
+            <a:off x="11847007" y="6519446"/>
+            <a:ext cx="298480" cy="338554"/>
+          </a:xfrm>
+          <a:prstGeom prst="rect">
+            <a:avLst/>
+          </a:prstGeom>
+          <a:noFill/>
+        </p:spPr>
+        <p:txBody>
+          <a:bodyPr wrap="none" rtlCol="0">
+            <a:spAutoFit/>
+          </a:bodyPr>
+          <a:lstStyle/>
+          <a:p>
+            <a:r>
+              <a:rPr lang="en-US" altLang="ko-KR" sz="1600" dirty="0">
+                <a:solidFill>
+                  <a:schemeClr val="bg2">
+                    <a:lumMod val="75000"/>
+                  </a:schemeClr>
+                </a:solidFill>
+              </a:rPr>
+              <a:t>5</a:t>
+            </a:r>
+          </a:p>
+        </p:txBody>
+      </p:sp>
+      <p:sp>
+        <p:nvSpPr>
+          <p:cNvPr id="6" name="TextBox 5">
+            <a:extLst>
+              <a:ext uri="{FF2B5EF4-FFF2-40B4-BE49-F238E27FC236}">
+                <a16:creationId xmlns:a16="http://schemas.microsoft.com/office/drawing/2014/main" id="{77745E5F-A263-86E2-54FA-7201B9011FB7}"/>
+              </a:ext>
+            </a:extLst>
+          </p:cNvPr>
+          <p:cNvSpPr txBox="1"/>
+          <p:nvPr/>
+        </p:nvSpPr>
+        <p:spPr>
+          <a:xfrm>
+            <a:off x="283030" y="224158"/>
+            <a:ext cx="3140603" cy="338554"/>
+          </a:xfrm>
+          <a:prstGeom prst="rect">
+            <a:avLst/>
+          </a:prstGeom>
+          <a:noFill/>
+        </p:spPr>
+        <p:txBody>
+          <a:bodyPr wrap="none" rtlCol="0">
+            <a:spAutoFit/>
+          </a:bodyPr>
+          <a:lstStyle/>
+          <a:p>
+            <a:r>
+              <a:rPr lang="ko-KR" altLang="en-US" sz="1600" dirty="0">
+                <a:solidFill>
+                  <a:schemeClr val="bg2">
+                    <a:lumMod val="75000"/>
+                  </a:schemeClr>
+                </a:solidFill>
+              </a:rPr>
+              <a:t>모델 파라미터 및 데이터셋 정리</a:t>
+            </a:r>
+          </a:p>
+        </p:txBody>
+      </p:sp>
+      <p:pic>
+        <p:nvPicPr>
+          <p:cNvPr id="4" name="그림 3">
+            <a:extLst>
+              <a:ext uri="{FF2B5EF4-FFF2-40B4-BE49-F238E27FC236}">
+                <a16:creationId xmlns:a16="http://schemas.microsoft.com/office/drawing/2014/main" id="{E9E5C427-72AD-1172-7AE6-35BC0FADC8CE}"/>
+              </a:ext>
+            </a:extLst>
+          </p:cNvPr>
+          <p:cNvPicPr>
+            <a:picLocks noChangeAspect="1"/>
+          </p:cNvPicPr>
+          <p:nvPr/>
+        </p:nvPicPr>
+        <p:blipFill>
+          <a:blip r:embed="rId2"/>
+          <a:srcRect r="12885"/>
+          <a:stretch>
+            <a:fillRect/>
+          </a:stretch>
+        </p:blipFill>
+        <p:spPr>
+          <a:xfrm>
+            <a:off x="650375" y="1639337"/>
+            <a:ext cx="2955822" cy="3579325"/>
+          </a:xfrm>
+          <a:prstGeom prst="rect">
+            <a:avLst/>
+          </a:prstGeom>
+        </p:spPr>
+      </p:pic>
+      <p:pic>
+        <p:nvPicPr>
+          <p:cNvPr id="8" name="그림 7">
+            <a:extLst>
+              <a:ext uri="{FF2B5EF4-FFF2-40B4-BE49-F238E27FC236}">
+                <a16:creationId xmlns:a16="http://schemas.microsoft.com/office/drawing/2014/main" id="{2A3E5C57-6F55-8116-8E95-7C800046A5B8}"/>
+              </a:ext>
+            </a:extLst>
+          </p:cNvPr>
+          <p:cNvPicPr>
+            <a:picLocks noChangeAspect="1"/>
+          </p:cNvPicPr>
+          <p:nvPr/>
+        </p:nvPicPr>
+        <p:blipFill>
+          <a:blip r:embed="rId3"/>
+          <a:stretch>
+            <a:fillRect/>
+          </a:stretch>
+        </p:blipFill>
+        <p:spPr>
+          <a:xfrm>
+            <a:off x="3606197" y="1639336"/>
+            <a:ext cx="1815154" cy="3579319"/>
+          </a:xfrm>
+          <a:prstGeom prst="rect">
+            <a:avLst/>
+          </a:prstGeom>
+        </p:spPr>
+      </p:pic>
+      <p:sp>
+        <p:nvSpPr>
+          <p:cNvPr id="9" name="TextBox 8">
+            <a:extLst>
+              <a:ext uri="{FF2B5EF4-FFF2-40B4-BE49-F238E27FC236}">
+                <a16:creationId xmlns:a16="http://schemas.microsoft.com/office/drawing/2014/main" id="{317DF6B6-0E9E-23CE-8EEE-01EDF1CB2115}"/>
+              </a:ext>
+            </a:extLst>
+          </p:cNvPr>
+          <p:cNvSpPr txBox="1"/>
+          <p:nvPr/>
+        </p:nvSpPr>
+        <p:spPr>
+          <a:xfrm>
+            <a:off x="5711356" y="2163108"/>
+            <a:ext cx="6040115" cy="2531783"/>
+          </a:xfrm>
+          <a:prstGeom prst="rect">
+            <a:avLst/>
+          </a:prstGeom>
+        </p:spPr>
+        <p:style>
+          <a:lnRef idx="2">
+            <a:schemeClr val="dk1"/>
+          </a:lnRef>
+          <a:fillRef idx="1">
+            <a:schemeClr val="lt1"/>
+          </a:fillRef>
+          <a:effectRef idx="0">
+            <a:schemeClr val="dk1"/>
+          </a:effectRef>
+          <a:fontRef idx="minor">
+            <a:schemeClr val="dk1"/>
+          </a:fontRef>
+        </p:style>
+        <p:txBody>
+          <a:bodyPr wrap="none" rtlCol="0">
+            <a:spAutoFit/>
+          </a:bodyPr>
+          <a:lstStyle/>
+          <a:p>
+            <a:pPr>
+              <a:lnSpc>
+                <a:spcPct val="150000"/>
+              </a:lnSpc>
+            </a:pPr>
+            <a:r>
+              <a:rPr lang="en-US" altLang="ko-KR" dirty="0"/>
+              <a:t>1000</a:t>
+            </a:r>
+            <a:r>
+              <a:rPr lang="ko-KR" altLang="en-US" dirty="0"/>
+              <a:t>행 전압신호와 파일명에서 라벨과 </a:t>
+            </a:r>
+            <a:r>
+              <a:rPr lang="ko-KR" altLang="en-US" dirty="0" err="1"/>
+              <a:t>가공깊이</a:t>
+            </a:r>
+            <a:r>
+              <a:rPr lang="ko-KR" altLang="en-US" dirty="0"/>
+              <a:t> 추출해</a:t>
+            </a:r>
+            <a:endParaRPr lang="en-US" altLang="ko-KR" dirty="0"/>
+          </a:p>
+          <a:p>
+            <a:pPr>
+              <a:lnSpc>
+                <a:spcPct val="150000"/>
+              </a:lnSpc>
+            </a:pPr>
+            <a:r>
+              <a:rPr lang="en-US" altLang="ko-KR" dirty="0"/>
+              <a:t>PMAC</a:t>
+            </a:r>
+            <a:r>
+              <a:rPr lang="ko-KR" altLang="en-US" dirty="0"/>
+              <a:t>에서 수집한 원본 데이터 바로 이용</a:t>
+            </a:r>
+            <a:endParaRPr lang="en-US" altLang="ko-KR" dirty="0"/>
+          </a:p>
+          <a:p>
+            <a:pPr>
+              <a:lnSpc>
+                <a:spcPct val="150000"/>
+              </a:lnSpc>
+            </a:pPr>
+            <a:endParaRPr lang="en-US" altLang="ko-KR" dirty="0"/>
+          </a:p>
+          <a:p>
+            <a:pPr>
+              <a:lnSpc>
+                <a:spcPct val="150000"/>
+              </a:lnSpc>
+            </a:pPr>
+            <a:r>
+              <a:rPr lang="en-US" altLang="ko-KR" dirty="0"/>
+              <a:t> label class</a:t>
+            </a:r>
+            <a:r>
+              <a:rPr lang="ko-KR" altLang="en-US" dirty="0"/>
+              <a:t>는 </a:t>
+            </a:r>
+            <a:r>
+              <a:rPr lang="en-US" altLang="ko-KR" dirty="0"/>
+              <a:t>0/1/2(Hold/Go/Back) 3</a:t>
+            </a:r>
+            <a:r>
+              <a:rPr lang="ko-KR" altLang="en-US" dirty="0"/>
+              <a:t>개</a:t>
+            </a:r>
+            <a:endParaRPr lang="en-US" altLang="ko-KR" dirty="0"/>
+          </a:p>
+          <a:p>
+            <a:pPr>
+              <a:lnSpc>
+                <a:spcPct val="150000"/>
+              </a:lnSpc>
+            </a:pPr>
+            <a:r>
+              <a:rPr lang="en-US" altLang="ko-KR" dirty="0"/>
+              <a:t> csv</a:t>
+            </a:r>
+            <a:r>
+              <a:rPr lang="ko-KR" altLang="en-US" dirty="0" err="1"/>
+              <a:t>끼리는</a:t>
+            </a:r>
+            <a:r>
+              <a:rPr lang="ko-KR" altLang="en-US" dirty="0"/>
+              <a:t> 독립적인 학습 샘플 처리</a:t>
+            </a:r>
+            <a:endParaRPr lang="en-US" altLang="ko-KR" dirty="0"/>
+          </a:p>
+          <a:p>
+            <a:pPr>
+              <a:lnSpc>
+                <a:spcPct val="150000"/>
+              </a:lnSpc>
+            </a:pPr>
+            <a:r>
+              <a:rPr lang="en-US" altLang="ko-KR" dirty="0"/>
+              <a:t> </a:t>
+            </a:r>
+            <a:r>
+              <a:rPr lang="ko-KR" altLang="en-US" dirty="0" err="1"/>
+              <a:t>가공깊이는</a:t>
+            </a:r>
+            <a:r>
+              <a:rPr lang="ko-KR" altLang="en-US" dirty="0"/>
+              <a:t> </a:t>
+            </a:r>
+            <a:r>
+              <a:rPr lang="en-US" altLang="ko-KR" dirty="0"/>
+              <a:t>0-1500 </a:t>
+            </a:r>
+            <a:r>
+              <a:rPr lang="ko-KR" altLang="en-US" dirty="0"/>
+              <a:t>고정 스케일링 정규화 후 </a:t>
+            </a:r>
+            <a:r>
+              <a:rPr lang="en-US" altLang="ko-KR" dirty="0"/>
+              <a:t>late fusion</a:t>
+            </a:r>
+            <a:endParaRPr lang="ko-KR" altLang="en-US" dirty="0"/>
+          </a:p>
+        </p:txBody>
+      </p:sp>
+    </p:spTree>
+    <p:extLst>
+      <p:ext uri="{BB962C8B-B14F-4D97-AF65-F5344CB8AC3E}">
+        <p14:creationId xmlns:p14="http://schemas.microsoft.com/office/powerpoint/2010/main" val="2967889578"/>
+      </p:ext>
+    </p:extLst>
+  </p:cSld>
+  <p:clrMapOvr>
+    <a:masterClrMapping/>
+  </p:clrMapOvr>
+</p:sld>
+</file>
+
+<file path=ppt/slides/slide6.xml><?xml version="1.0" encoding="utf-8"?>
+<p:sld xmlns:a="http://schemas.openxmlformats.org/drawingml/2006/main" xmlns:r="http://schemas.openxmlformats.org/officeDocument/2006/relationships" xmlns:p="http://schemas.openxmlformats.org/presentationml/2006/main">
+  <p:cSld>
+    <p:spTree>
+      <p:nvGrpSpPr>
+        <p:cNvPr id="1" name="">
+          <a:extLst>
+            <a:ext uri="{FF2B5EF4-FFF2-40B4-BE49-F238E27FC236}">
+              <a16:creationId xmlns:a16="http://schemas.microsoft.com/office/drawing/2014/main" id="{100D5F03-0F62-B0BE-E70F-A9723C750D19}"/>
+            </a:ext>
+          </a:extLst>
+        </p:cNvPr>
+        <p:cNvGrpSpPr/>
+        <p:nvPr/>
+      </p:nvGrpSpPr>
+      <p:grpSpPr>
+        <a:xfrm>
+          <a:off x="0" y="0"/>
+          <a:ext cx="0" cy="0"/>
+          <a:chOff x="0" y="0"/>
+          <a:chExt cx="0" cy="0"/>
+        </a:xfrm>
+      </p:grpSpPr>
+      <p:cxnSp>
+        <p:nvCxnSpPr>
+          <p:cNvPr id="3" name="직선 연결선 2">
+            <a:extLst>
+              <a:ext uri="{FF2B5EF4-FFF2-40B4-BE49-F238E27FC236}">
+                <a16:creationId xmlns:a16="http://schemas.microsoft.com/office/drawing/2014/main" id="{8E25C88A-FCAE-35CF-1EF3-2AA650C98BB7}"/>
+              </a:ext>
+            </a:extLst>
+          </p:cNvPr>
+          <p:cNvCxnSpPr>
+            <a:cxnSpLocks/>
+          </p:cNvCxnSpPr>
+          <p:nvPr/>
+        </p:nvCxnSpPr>
+        <p:spPr>
+          <a:xfrm>
+            <a:off x="283030" y="602904"/>
+            <a:ext cx="11594121" cy="0"/>
+          </a:xfrm>
+          <a:prstGeom prst="line">
+            <a:avLst/>
+          </a:prstGeom>
+          <a:ln>
+            <a:solidFill>
+              <a:schemeClr val="bg2">
+                <a:lumMod val="90000"/>
+              </a:schemeClr>
+            </a:solidFill>
+          </a:ln>
+        </p:spPr>
+        <p:style>
+          <a:lnRef idx="2">
+            <a:schemeClr val="accent1"/>
+          </a:lnRef>
+          <a:fillRef idx="0">
+            <a:schemeClr val="accent1"/>
+          </a:fillRef>
+          <a:effectRef idx="1">
+            <a:schemeClr val="accent1"/>
+          </a:effectRef>
+          <a:fontRef idx="minor">
+            <a:schemeClr val="tx1"/>
+          </a:fontRef>
+        </p:style>
+      </p:cxnSp>
+      <p:sp>
+        <p:nvSpPr>
+          <p:cNvPr id="5" name="TextBox 4">
+            <a:extLst>
+              <a:ext uri="{FF2B5EF4-FFF2-40B4-BE49-F238E27FC236}">
+                <a16:creationId xmlns:a16="http://schemas.microsoft.com/office/drawing/2014/main" id="{9401095C-3593-F908-A311-E8E1F9035E89}"/>
+              </a:ext>
+            </a:extLst>
+          </p:cNvPr>
+          <p:cNvSpPr txBox="1"/>
+          <p:nvPr/>
+        </p:nvSpPr>
+        <p:spPr>
+          <a:xfrm>
+            <a:off x="11847007" y="6519446"/>
+            <a:ext cx="298480" cy="338554"/>
+          </a:xfrm>
+          <a:prstGeom prst="rect">
+            <a:avLst/>
+          </a:prstGeom>
+          <a:noFill/>
+        </p:spPr>
+        <p:txBody>
+          <a:bodyPr wrap="none" rtlCol="0">
+            <a:spAutoFit/>
+          </a:bodyPr>
+          <a:lstStyle/>
+          <a:p>
+            <a:r>
+              <a:rPr lang="en-US" altLang="ko-KR" sz="1600" dirty="0">
+                <a:solidFill>
+                  <a:schemeClr val="bg2">
+                    <a:lumMod val="75000"/>
+                  </a:schemeClr>
+                </a:solidFill>
+              </a:rPr>
+              <a:t>6</a:t>
+            </a:r>
+            <a:endParaRPr lang="ko-KR" altLang="en-US" sz="1600" dirty="0">
+              <a:solidFill>
+                <a:schemeClr val="bg2">
+                  <a:lumMod val="75000"/>
+                </a:schemeClr>
+              </a:solidFill>
+            </a:endParaRPr>
+          </a:p>
+        </p:txBody>
+      </p:sp>
+      <p:sp>
+        <p:nvSpPr>
+          <p:cNvPr id="2" name="TextBox 1">
+            <a:extLst>
+              <a:ext uri="{FF2B5EF4-FFF2-40B4-BE49-F238E27FC236}">
+                <a16:creationId xmlns:a16="http://schemas.microsoft.com/office/drawing/2014/main" id="{49C14EE9-13C4-34F0-636E-90AB17DE7B48}"/>
+              </a:ext>
+            </a:extLst>
+          </p:cNvPr>
+          <p:cNvSpPr txBox="1"/>
+          <p:nvPr/>
+        </p:nvSpPr>
+        <p:spPr>
+          <a:xfrm>
+            <a:off x="283030" y="224158"/>
+            <a:ext cx="3140603" cy="338554"/>
+          </a:xfrm>
+          <a:prstGeom prst="rect">
+            <a:avLst/>
+          </a:prstGeom>
+          <a:noFill/>
+        </p:spPr>
+        <p:txBody>
+          <a:bodyPr wrap="none" rtlCol="0">
+            <a:spAutoFit/>
+          </a:bodyPr>
+          <a:lstStyle/>
+          <a:p>
+            <a:r>
+              <a:rPr lang="ko-KR" altLang="en-US" sz="1600" dirty="0">
+                <a:solidFill>
+                  <a:schemeClr val="bg2">
+                    <a:lumMod val="75000"/>
+                  </a:schemeClr>
+                </a:solidFill>
+              </a:rPr>
+              <a:t>모델 파라미터 및 데이터셋 정리</a:t>
+            </a:r>
+          </a:p>
+        </p:txBody>
+      </p:sp>
+      <p:sp>
+        <p:nvSpPr>
+          <p:cNvPr id="4" name="TextBox 3">
+            <a:extLst>
+              <a:ext uri="{FF2B5EF4-FFF2-40B4-BE49-F238E27FC236}">
+                <a16:creationId xmlns:a16="http://schemas.microsoft.com/office/drawing/2014/main" id="{EDD289E6-00B1-74A0-EB86-BC2F36701F1C}"/>
+              </a:ext>
+            </a:extLst>
+          </p:cNvPr>
+          <p:cNvSpPr txBox="1"/>
+          <p:nvPr/>
+        </p:nvSpPr>
+        <p:spPr>
+          <a:xfrm>
+            <a:off x="1433354" y="955677"/>
+            <a:ext cx="8439875" cy="5440272"/>
+          </a:xfrm>
+          <a:prstGeom prst="rect">
+            <a:avLst/>
+          </a:prstGeom>
+        </p:spPr>
+        <p:style>
+          <a:lnRef idx="2">
+            <a:schemeClr val="dk1"/>
+          </a:lnRef>
+          <a:fillRef idx="1">
+            <a:schemeClr val="lt1"/>
+          </a:fillRef>
+          <a:effectRef idx="0">
+            <a:schemeClr val="dk1"/>
+          </a:effectRef>
+          <a:fontRef idx="minor">
+            <a:schemeClr val="dk1"/>
+          </a:fontRef>
+        </p:style>
+        <p:txBody>
+          <a:bodyPr wrap="none" rtlCol="0">
+            <a:spAutoFit/>
+          </a:bodyPr>
+          <a:lstStyle/>
+          <a:p>
+            <a:pPr>
+              <a:lnSpc>
+                <a:spcPct val="150000"/>
+              </a:lnSpc>
+            </a:pPr>
+            <a:r>
+              <a:rPr lang="en-US" altLang="ko-KR" dirty="0"/>
+              <a:t>-</a:t>
+            </a:r>
+            <a:r>
+              <a:rPr lang="ko-KR" altLang="en-US" dirty="0"/>
+              <a:t>모델 입력 설정</a:t>
+            </a:r>
+            <a:endParaRPr lang="en-US" altLang="ko-KR" dirty="0"/>
+          </a:p>
+          <a:p>
+            <a:pPr>
+              <a:lnSpc>
+                <a:spcPct val="150000"/>
+              </a:lnSpc>
+            </a:pPr>
+            <a:r>
+              <a:rPr lang="en-US" altLang="ko-KR" dirty="0"/>
+              <a:t> window size=1000 : </a:t>
+            </a:r>
+            <a:r>
+              <a:rPr lang="ko-KR" altLang="en-US" dirty="0"/>
+              <a:t>시퀀스 길이 </a:t>
+            </a:r>
+            <a:r>
+              <a:rPr lang="en-US" altLang="ko-KR" dirty="0"/>
+              <a:t>: 1000timestep</a:t>
+            </a:r>
+          </a:p>
+          <a:p>
+            <a:pPr>
+              <a:lnSpc>
+                <a:spcPct val="150000"/>
+              </a:lnSpc>
+            </a:pPr>
+            <a:r>
+              <a:rPr lang="en-US" altLang="ko-KR" dirty="0"/>
+              <a:t> input size=1 : </a:t>
+            </a:r>
+            <a:r>
+              <a:rPr lang="ko-KR" altLang="en-US" dirty="0"/>
+              <a:t>전압</a:t>
+            </a:r>
+            <a:endParaRPr lang="en-US" altLang="ko-KR" dirty="0"/>
+          </a:p>
+          <a:p>
+            <a:pPr>
+              <a:lnSpc>
+                <a:spcPct val="150000"/>
+              </a:lnSpc>
+            </a:pPr>
+            <a:r>
+              <a:rPr lang="en-US" altLang="ko-KR" dirty="0"/>
+              <a:t> batch size=32 : </a:t>
+            </a:r>
+            <a:r>
+              <a:rPr lang="ko-KR" altLang="en-US" dirty="0"/>
+              <a:t>한 번에 처리하는 시퀀스 수</a:t>
+            </a:r>
+            <a:endParaRPr lang="en-US" altLang="ko-KR" dirty="0"/>
+          </a:p>
+          <a:p>
+            <a:pPr>
+              <a:lnSpc>
+                <a:spcPct val="150000"/>
+              </a:lnSpc>
+            </a:pPr>
+            <a:endParaRPr lang="en-US" altLang="ko-KR" dirty="0"/>
+          </a:p>
+          <a:p>
+            <a:pPr>
+              <a:lnSpc>
+                <a:spcPct val="150000"/>
+              </a:lnSpc>
+            </a:pPr>
+            <a:r>
+              <a:rPr lang="en-US" altLang="ko-KR" dirty="0"/>
+              <a:t>-LSTM </a:t>
+            </a:r>
+            <a:r>
+              <a:rPr lang="ko-KR" altLang="en-US" dirty="0"/>
+              <a:t>구조</a:t>
+            </a:r>
+            <a:endParaRPr lang="en-US" altLang="ko-KR" dirty="0"/>
+          </a:p>
+          <a:p>
+            <a:pPr>
+              <a:lnSpc>
+                <a:spcPct val="150000"/>
+              </a:lnSpc>
+            </a:pPr>
+            <a:r>
+              <a:rPr lang="en-US" altLang="ko-KR" dirty="0"/>
+              <a:t> hidden size=128 : 1000timestep</a:t>
+            </a:r>
+            <a:r>
+              <a:rPr lang="ko-KR" altLang="en-US" dirty="0"/>
+              <a:t>을 </a:t>
+            </a:r>
+            <a:r>
+              <a:rPr lang="en-US" altLang="ko-KR" dirty="0"/>
+              <a:t>128</a:t>
+            </a:r>
+            <a:r>
+              <a:rPr lang="ko-KR" altLang="en-US" dirty="0"/>
+              <a:t>차원 벡터 하나로 처리</a:t>
+            </a:r>
+            <a:endParaRPr lang="en-US" altLang="ko-KR" dirty="0"/>
+          </a:p>
+          <a:p>
+            <a:pPr>
+              <a:lnSpc>
+                <a:spcPct val="150000"/>
+              </a:lnSpc>
+            </a:pPr>
+            <a:r>
+              <a:rPr lang="ko-KR" altLang="en-US" dirty="0"/>
+              <a:t> </a:t>
+            </a:r>
+            <a:r>
+              <a:rPr lang="en-US" altLang="ko-KR" dirty="0" err="1"/>
+              <a:t>num_layers</a:t>
+            </a:r>
+            <a:r>
+              <a:rPr lang="en-US" altLang="ko-KR" dirty="0"/>
+              <a:t>=2 : stacked LSTM</a:t>
+            </a:r>
+          </a:p>
+          <a:p>
+            <a:pPr>
+              <a:lnSpc>
+                <a:spcPct val="150000"/>
+              </a:lnSpc>
+            </a:pPr>
+            <a:endParaRPr lang="en-US" altLang="ko-KR" dirty="0"/>
+          </a:p>
+          <a:p>
+            <a:pPr>
+              <a:lnSpc>
+                <a:spcPct val="150000"/>
+              </a:lnSpc>
+            </a:pPr>
+            <a:r>
+              <a:rPr lang="en-US" altLang="ko-KR" dirty="0"/>
+              <a:t>-</a:t>
+            </a:r>
+            <a:r>
+              <a:rPr lang="ko-KR" altLang="en-US" dirty="0"/>
+              <a:t>학습 설정</a:t>
+            </a:r>
+            <a:endParaRPr lang="en-US" altLang="ko-KR" dirty="0"/>
+          </a:p>
+          <a:p>
+            <a:pPr>
+              <a:lnSpc>
+                <a:spcPct val="150000"/>
+              </a:lnSpc>
+            </a:pPr>
+            <a:r>
+              <a:rPr lang="ko-KR" altLang="en-US" dirty="0"/>
+              <a:t> </a:t>
+            </a:r>
+            <a:r>
+              <a:rPr lang="en-US" altLang="ko-KR" dirty="0"/>
+              <a:t>Learning</a:t>
+            </a:r>
+            <a:r>
+              <a:rPr lang="ko-KR" altLang="en-US" dirty="0"/>
+              <a:t> </a:t>
+            </a:r>
+            <a:r>
+              <a:rPr lang="en-US" altLang="ko-KR" dirty="0"/>
+              <a:t>rate:</a:t>
+            </a:r>
+            <a:r>
+              <a:rPr lang="ko-KR" altLang="en-US" dirty="0"/>
+              <a:t> </a:t>
+            </a:r>
+            <a:r>
+              <a:rPr lang="en-US" altLang="ko-KR" dirty="0"/>
+              <a:t>1e-3 → 5e-4 → 1e-4</a:t>
+            </a:r>
+          </a:p>
+          <a:p>
+            <a:pPr>
+              <a:lnSpc>
+                <a:spcPct val="150000"/>
+              </a:lnSpc>
+            </a:pPr>
+            <a:r>
+              <a:rPr lang="en-US" altLang="ko-KR" dirty="0"/>
+              <a:t> Epoch: 30 × 3 = 90epochs</a:t>
+            </a:r>
+          </a:p>
+          <a:p>
+            <a:pPr>
+              <a:lnSpc>
+                <a:spcPct val="150000"/>
+              </a:lnSpc>
+            </a:pPr>
+            <a:r>
+              <a:rPr lang="ko-KR" altLang="en-US" dirty="0"/>
+              <a:t> </a:t>
+            </a:r>
+            <a:r>
+              <a:rPr lang="en-US" altLang="ko-KR" dirty="0" err="1"/>
+              <a:t>CrossEntropyLoss</a:t>
+            </a:r>
+            <a:r>
+              <a:rPr lang="en-US" altLang="ko-KR" dirty="0"/>
+              <a:t>: batch</a:t>
+            </a:r>
+            <a:r>
+              <a:rPr lang="ko-KR" altLang="en-US" dirty="0"/>
+              <a:t>마다 계산</a:t>
+            </a:r>
+            <a:r>
+              <a:rPr lang="en-US" altLang="ko-KR" dirty="0"/>
+              <a:t>. Epoch </a:t>
+            </a:r>
+            <a:r>
+              <a:rPr lang="ko-KR" altLang="en-US" dirty="0" err="1"/>
+              <a:t>종료시</a:t>
+            </a:r>
+            <a:r>
+              <a:rPr lang="ko-KR" altLang="en-US" dirty="0"/>
+              <a:t> 평균 </a:t>
+            </a:r>
+            <a:r>
+              <a:rPr lang="en-US" altLang="ko-KR" dirty="0"/>
+              <a:t>loss</a:t>
+            </a:r>
+            <a:r>
+              <a:rPr lang="ko-KR" altLang="en-US" dirty="0"/>
+              <a:t>로 학습 안정성 확인</a:t>
+            </a:r>
+            <a:endParaRPr lang="en-US" altLang="ko-KR" dirty="0"/>
+          </a:p>
+        </p:txBody>
+      </p:sp>
+    </p:spTree>
+    <p:extLst>
+      <p:ext uri="{BB962C8B-B14F-4D97-AF65-F5344CB8AC3E}">
+        <p14:creationId xmlns:p14="http://schemas.microsoft.com/office/powerpoint/2010/main" val="1773186676"/>
+      </p:ext>
+    </p:extLst>
+  </p:cSld>
+  <p:clrMapOvr>
+    <a:masterClrMapping/>
+  </p:clrMapOvr>
+</p:sld>
+</file>
+
+<file path=ppt/slides/slide7.xml><?xml version="1.0" encoding="utf-8"?>
+<p:sld xmlns:a="http://schemas.openxmlformats.org/drawingml/2006/main" xmlns:r="http://schemas.openxmlformats.org/officeDocument/2006/relationships" xmlns:p="http://schemas.openxmlformats.org/presentationml/2006/main">
+  <p:cSld>
+    <p:spTree>
+      <p:nvGrpSpPr>
+        <p:cNvPr id="1" name="">
+          <a:extLst>
+            <a:ext uri="{FF2B5EF4-FFF2-40B4-BE49-F238E27FC236}">
+              <a16:creationId xmlns:a16="http://schemas.microsoft.com/office/drawing/2014/main" id="{EB0D6411-5F00-732A-5764-C307A514A303}"/>
+            </a:ext>
+          </a:extLst>
+        </p:cNvPr>
+        <p:cNvGrpSpPr/>
+        <p:nvPr/>
+      </p:nvGrpSpPr>
+      <p:grpSpPr>
+        <a:xfrm>
+          <a:off x="0" y="0"/>
+          <a:ext cx="0" cy="0"/>
+          <a:chOff x="0" y="0"/>
+          <a:chExt cx="0" cy="0"/>
+        </a:xfrm>
+      </p:grpSpPr>
+      <p:pic>
+        <p:nvPicPr>
+          <p:cNvPr id="1026" name="Picture 2" descr="달력 무료 템플릿. 저작권 걱정 없는 디자인 | Canva(캔바)">
+            <a:extLst>
+              <a:ext uri="{FF2B5EF4-FFF2-40B4-BE49-F238E27FC236}">
+                <a16:creationId xmlns:a16="http://schemas.microsoft.com/office/drawing/2014/main" id="{AE1805F4-0A02-1E36-F999-5C76ACB2F0DE}"/>
+              </a:ext>
+            </a:extLst>
+          </p:cNvPr>
+          <p:cNvPicPr>
+            <a:picLocks noChangeAspect="1" noChangeArrowheads="1"/>
+          </p:cNvPicPr>
+          <p:nvPr/>
+        </p:nvPicPr>
+        <p:blipFill>
+          <a:blip r:embed="rId2">
+            <a:extLst>
+              <a:ext uri="{28A0092B-C50C-407E-A947-70E740481C1C}">
+                <a14:useLocalDpi xmlns:a14="http://schemas.microsoft.com/office/drawing/2010/main" val="0"/>
+              </a:ext>
+            </a:extLst>
+          </a:blip>
+          <a:srcRect/>
+          <a:stretch>
+            <a:fillRect/>
+          </a:stretch>
+        </p:blipFill>
+        <p:spPr bwMode="auto">
+          <a:xfrm>
+            <a:off x="2847242" y="360486"/>
+            <a:ext cx="6497516" cy="6497516"/>
+          </a:xfrm>
+          <a:prstGeom prst="rect">
+            <a:avLst/>
+          </a:prstGeom>
+          <a:noFill/>
+          <a:extLst>
+            <a:ext uri="{909E8E84-426E-40DD-AFC4-6F175D3DCCD1}">
+              <a14:hiddenFill xmlns:a14="http://schemas.microsoft.com/office/drawing/2010/main">
+                <a:solidFill>
+                  <a:srgbClr val="FFFFFF"/>
+                </a:solidFill>
+              </a14:hiddenFill>
+            </a:ext>
+          </a:extLst>
+        </p:spPr>
+      </p:pic>
+      <p:cxnSp>
+        <p:nvCxnSpPr>
+          <p:cNvPr id="3" name="직선 연결선 2">
+            <a:extLst>
+              <a:ext uri="{FF2B5EF4-FFF2-40B4-BE49-F238E27FC236}">
+                <a16:creationId xmlns:a16="http://schemas.microsoft.com/office/drawing/2014/main" id="{6A8FA9F4-2B2D-781A-2470-22429561A72D}"/>
+              </a:ext>
+            </a:extLst>
+          </p:cNvPr>
+          <p:cNvCxnSpPr>
+            <a:cxnSpLocks/>
+          </p:cNvCxnSpPr>
+          <p:nvPr/>
+        </p:nvCxnSpPr>
+        <p:spPr>
+          <a:xfrm>
+            <a:off x="283030" y="602904"/>
+            <a:ext cx="11594121" cy="0"/>
+          </a:xfrm>
+          <a:prstGeom prst="line">
+            <a:avLst/>
+          </a:prstGeom>
+          <a:ln>
+            <a:solidFill>
+              <a:schemeClr val="bg2">
+                <a:lumMod val="90000"/>
+              </a:schemeClr>
+            </a:solidFill>
+          </a:ln>
+        </p:spPr>
+        <p:style>
+          <a:lnRef idx="2">
+            <a:schemeClr val="accent1"/>
+          </a:lnRef>
+          <a:fillRef idx="0">
+            <a:schemeClr val="accent1"/>
+          </a:fillRef>
+          <a:effectRef idx="1">
+            <a:schemeClr val="accent1"/>
+          </a:effectRef>
+          <a:fontRef idx="minor">
+            <a:schemeClr val="tx1"/>
+          </a:fontRef>
+        </p:style>
+      </p:cxnSp>
+      <p:sp>
+        <p:nvSpPr>
+          <p:cNvPr id="5" name="TextBox 4">
+            <a:extLst>
+              <a:ext uri="{FF2B5EF4-FFF2-40B4-BE49-F238E27FC236}">
+                <a16:creationId xmlns:a16="http://schemas.microsoft.com/office/drawing/2014/main" id="{1AA6C7BB-074C-7412-8CDC-EF42A73BBE48}"/>
+              </a:ext>
+            </a:extLst>
+          </p:cNvPr>
+          <p:cNvSpPr txBox="1"/>
+          <p:nvPr/>
+        </p:nvSpPr>
+        <p:spPr>
+          <a:xfrm>
+            <a:off x="11847007" y="6519446"/>
+            <a:ext cx="298480" cy="338554"/>
+          </a:xfrm>
+          <a:prstGeom prst="rect">
+            <a:avLst/>
+          </a:prstGeom>
+          <a:noFill/>
+        </p:spPr>
+        <p:txBody>
+          <a:bodyPr wrap="none" rtlCol="0">
+            <a:spAutoFit/>
+          </a:bodyPr>
+          <a:lstStyle/>
+          <a:p>
+            <a:r>
+              <a:rPr lang="en-US" altLang="ko-KR" sz="1600" dirty="0">
+                <a:solidFill>
+                  <a:schemeClr val="bg2">
+                    <a:lumMod val="75000"/>
+                  </a:schemeClr>
+                </a:solidFill>
+              </a:rPr>
+              <a:t>7</a:t>
+            </a:r>
+            <a:endParaRPr lang="ko-KR" altLang="en-US" sz="1600" dirty="0">
+              <a:solidFill>
+                <a:schemeClr val="bg2">
+                  <a:lumMod val="75000"/>
+                </a:schemeClr>
+              </a:solidFill>
+            </a:endParaRPr>
+          </a:p>
+        </p:txBody>
+      </p:sp>
+      <p:sp>
+        <p:nvSpPr>
+          <p:cNvPr id="2" name="TextBox 1">
+            <a:extLst>
+              <a:ext uri="{FF2B5EF4-FFF2-40B4-BE49-F238E27FC236}">
+                <a16:creationId xmlns:a16="http://schemas.microsoft.com/office/drawing/2014/main" id="{24E22A2B-45F5-1778-D120-1DBECB646A83}"/>
+              </a:ext>
+            </a:extLst>
+          </p:cNvPr>
+          <p:cNvSpPr txBox="1"/>
+          <p:nvPr/>
+        </p:nvSpPr>
+        <p:spPr>
+          <a:xfrm>
+            <a:off x="283030" y="224158"/>
+            <a:ext cx="1560042" cy="338554"/>
+          </a:xfrm>
+          <a:prstGeom prst="rect">
+            <a:avLst/>
+          </a:prstGeom>
+          <a:noFill/>
+        </p:spPr>
+        <p:txBody>
+          <a:bodyPr wrap="none" rtlCol="0">
+            <a:spAutoFit/>
+          </a:bodyPr>
+          <a:lstStyle/>
+          <a:p>
+            <a:r>
+              <a:rPr lang="ko-KR" altLang="en-US" sz="1600" dirty="0">
+                <a:solidFill>
+                  <a:schemeClr val="bg2">
+                    <a:lumMod val="75000"/>
+                  </a:schemeClr>
+                </a:solidFill>
+              </a:rPr>
+              <a:t>연구 진행 계획</a:t>
+            </a:r>
+          </a:p>
+        </p:txBody>
+      </p:sp>
+      <p:sp>
+        <p:nvSpPr>
+          <p:cNvPr id="6" name="직사각형 5">
+            <a:extLst>
+              <a:ext uri="{FF2B5EF4-FFF2-40B4-BE49-F238E27FC236}">
+                <a16:creationId xmlns:a16="http://schemas.microsoft.com/office/drawing/2014/main" id="{D9614312-725F-D113-1774-789864010175}"/>
+              </a:ext>
+            </a:extLst>
+          </p:cNvPr>
+          <p:cNvSpPr/>
+          <p:nvPr/>
+        </p:nvSpPr>
+        <p:spPr>
+          <a:xfrm>
+            <a:off x="4923692" y="3529480"/>
+            <a:ext cx="3868617" cy="702000"/>
+          </a:xfrm>
+          <a:prstGeom prst="rect">
+            <a:avLst/>
+          </a:prstGeom>
+          <a:solidFill>
+            <a:srgbClr val="FFC000">
+              <a:alpha val="29000"/>
+            </a:srgbClr>
+          </a:solidFill>
+          <a:ln>
+            <a:noFill/>
+          </a:ln>
+        </p:spPr>
+        <p:style>
+          <a:lnRef idx="0">
+            <a:scrgbClr r="0" g="0" b="0"/>
+          </a:lnRef>
+          <a:fillRef idx="0">
+            <a:scrgbClr r="0" g="0" b="0"/>
+          </a:fillRef>
+          <a:effectRef idx="0">
+            <a:scrgbClr r="0" g="0" b="0"/>
+          </a:effectRef>
+          <a:fontRef idx="minor">
+            <a:schemeClr val="lt1"/>
+          </a:fontRef>
+        </p:style>
+        <p:txBody>
+          <a:bodyPr rtlCol="0" anchor="ctr"/>
+          <a:lstStyle/>
+          <a:p>
+            <a:pPr algn="ctr"/>
+            <a:endParaRPr lang="ko-KR" altLang="en-US" dirty="0"/>
+          </a:p>
+        </p:txBody>
+      </p:sp>
+      <p:sp>
+        <p:nvSpPr>
+          <p:cNvPr id="7" name="TextBox 6">
+            <a:extLst>
+              <a:ext uri="{FF2B5EF4-FFF2-40B4-BE49-F238E27FC236}">
+                <a16:creationId xmlns:a16="http://schemas.microsoft.com/office/drawing/2014/main" id="{E2AE053C-D747-D9EF-B858-C1B7BBFC92CF}"/>
+              </a:ext>
+            </a:extLst>
+          </p:cNvPr>
+          <p:cNvSpPr txBox="1"/>
+          <p:nvPr/>
+        </p:nvSpPr>
+        <p:spPr>
+          <a:xfrm>
+            <a:off x="4949856" y="3950254"/>
+            <a:ext cx="3284874" cy="276999"/>
+          </a:xfrm>
+          <a:prstGeom prst="rect">
+            <a:avLst/>
+          </a:prstGeom>
+          <a:noFill/>
+        </p:spPr>
+        <p:txBody>
+          <a:bodyPr wrap="none" rtlCol="0">
+            <a:spAutoFit/>
+          </a:bodyPr>
+          <a:lstStyle/>
+          <a:p>
+            <a:r>
+              <a:rPr lang="ko-KR" altLang="en-US" sz="1200" dirty="0"/>
+              <a:t>직경</a:t>
+            </a:r>
+            <a:r>
+              <a:rPr lang="en-US" altLang="ko-KR" sz="1200" dirty="0"/>
+              <a:t>80µm/500pF</a:t>
+            </a:r>
+            <a:r>
+              <a:rPr lang="ko-KR" altLang="en-US" sz="1200" dirty="0"/>
+              <a:t> 학습데이터셋 완성 및 논문</a:t>
+            </a:r>
+          </a:p>
+        </p:txBody>
+      </p:sp>
+      <p:sp>
+        <p:nvSpPr>
+          <p:cNvPr id="8" name="직사각형 7">
+            <a:extLst>
+              <a:ext uri="{FF2B5EF4-FFF2-40B4-BE49-F238E27FC236}">
+                <a16:creationId xmlns:a16="http://schemas.microsoft.com/office/drawing/2014/main" id="{137456AF-865B-863D-8371-CFF1B26CE2E0}"/>
+              </a:ext>
+            </a:extLst>
+          </p:cNvPr>
+          <p:cNvSpPr/>
+          <p:nvPr/>
+        </p:nvSpPr>
+        <p:spPr>
+          <a:xfrm>
+            <a:off x="3458202" y="4289429"/>
+            <a:ext cx="1368000" cy="702000"/>
+          </a:xfrm>
+          <a:prstGeom prst="rect">
+            <a:avLst/>
+          </a:prstGeom>
+          <a:solidFill>
+            <a:srgbClr val="FFC000">
+              <a:alpha val="29000"/>
+            </a:srgbClr>
+          </a:solidFill>
+          <a:ln>
+            <a:noFill/>
+          </a:ln>
+        </p:spPr>
+        <p:style>
+          <a:lnRef idx="0">
+            <a:scrgbClr r="0" g="0" b="0"/>
+          </a:lnRef>
+          <a:fillRef idx="0">
+            <a:scrgbClr r="0" g="0" b="0"/>
+          </a:fillRef>
+          <a:effectRef idx="0">
+            <a:scrgbClr r="0" g="0" b="0"/>
+          </a:effectRef>
+          <a:fontRef idx="minor">
+            <a:schemeClr val="lt1"/>
+          </a:fontRef>
+        </p:style>
+        <p:txBody>
+          <a:bodyPr rtlCol="0" anchor="ctr"/>
+          <a:lstStyle/>
+          <a:p>
+            <a:pPr algn="ctr"/>
+            <a:endParaRPr lang="ko-KR" altLang="en-US" dirty="0"/>
+          </a:p>
+        </p:txBody>
+      </p:sp>
+      <p:sp>
+        <p:nvSpPr>
+          <p:cNvPr id="10" name="TextBox 9">
+            <a:extLst>
+              <a:ext uri="{FF2B5EF4-FFF2-40B4-BE49-F238E27FC236}">
+                <a16:creationId xmlns:a16="http://schemas.microsoft.com/office/drawing/2014/main" id="{BDBA6E09-80FA-B177-B339-76DF0C3B1B3F}"/>
+              </a:ext>
+            </a:extLst>
+          </p:cNvPr>
+          <p:cNvSpPr txBox="1"/>
+          <p:nvPr/>
+        </p:nvSpPr>
+        <p:spPr>
+          <a:xfrm>
+            <a:off x="3458202" y="4696618"/>
+            <a:ext cx="1324814" cy="276999"/>
+          </a:xfrm>
+          <a:prstGeom prst="rect">
+            <a:avLst/>
+          </a:prstGeom>
+          <a:noFill/>
+        </p:spPr>
+        <p:txBody>
+          <a:bodyPr wrap="square">
+            <a:spAutoFit/>
+          </a:bodyPr>
+          <a:lstStyle/>
+          <a:p>
+            <a:r>
+              <a:rPr lang="ko-KR" altLang="en-US" sz="1200" dirty="0"/>
+              <a:t>아웃라인 작성</a:t>
+            </a:r>
+          </a:p>
+        </p:txBody>
+      </p:sp>
+      <p:sp>
+        <p:nvSpPr>
+          <p:cNvPr id="15" name="직사각형 14">
+            <a:extLst>
+              <a:ext uri="{FF2B5EF4-FFF2-40B4-BE49-F238E27FC236}">
+                <a16:creationId xmlns:a16="http://schemas.microsoft.com/office/drawing/2014/main" id="{A7E05109-CF30-F368-18D3-336F7D67BDB3}"/>
+              </a:ext>
+            </a:extLst>
+          </p:cNvPr>
+          <p:cNvSpPr/>
+          <p:nvPr/>
+        </p:nvSpPr>
+        <p:spPr>
+          <a:xfrm>
+            <a:off x="4925369" y="4264683"/>
+            <a:ext cx="3868617" cy="702000"/>
+          </a:xfrm>
+          <a:prstGeom prst="rect">
+            <a:avLst/>
+          </a:prstGeom>
+          <a:solidFill>
+            <a:srgbClr val="92D050">
+              <a:alpha val="29000"/>
+            </a:srgbClr>
+          </a:solidFill>
+          <a:ln>
+            <a:noFill/>
+          </a:ln>
+        </p:spPr>
+        <p:style>
+          <a:lnRef idx="0">
+            <a:scrgbClr r="0" g="0" b="0"/>
+          </a:lnRef>
+          <a:fillRef idx="0">
+            <a:scrgbClr r="0" g="0" b="0"/>
+          </a:fillRef>
+          <a:effectRef idx="0">
+            <a:scrgbClr r="0" g="0" b="0"/>
+          </a:effectRef>
+          <a:fontRef idx="minor">
+            <a:schemeClr val="lt1"/>
+          </a:fontRef>
+        </p:style>
+        <p:txBody>
+          <a:bodyPr rot="0" spcFirstLastPara="0" vertOverflow="overflow" horzOverflow="overflow" vert="horz" wrap="square" lIns="91440" tIns="45720" rIns="91440" bIns="45720" numCol="1" spcCol="0" rtlCol="0" fromWordArt="0" anchor="ctr" anchorCtr="0" forceAA="0" compatLnSpc="1">
+            <a:prstTxWarp prst="textNoShape">
+              <a:avLst/>
+            </a:prstTxWarp>
+            <a:noAutofit/>
+          </a:bodyPr>
+          <a:lstStyle/>
+          <a:p>
+            <a:pPr algn="ctr"/>
+            <a:endParaRPr lang="ko-KR" altLang="en-US" b="1" dirty="0">
+              <a:ln w="22225">
+                <a:solidFill>
+                  <a:schemeClr val="accent2"/>
+                </a:solidFill>
+                <a:prstDash val="solid"/>
+              </a:ln>
+              <a:solidFill>
+                <a:schemeClr val="accent2">
+                  <a:lumMod val="40000"/>
+                  <a:lumOff val="60000"/>
+                </a:schemeClr>
+              </a:solidFill>
+            </a:endParaRPr>
+          </a:p>
+        </p:txBody>
+      </p:sp>
+      <p:sp>
+        <p:nvSpPr>
+          <p:cNvPr id="16" name="TextBox 15">
+            <a:extLst>
+              <a:ext uri="{FF2B5EF4-FFF2-40B4-BE49-F238E27FC236}">
+                <a16:creationId xmlns:a16="http://schemas.microsoft.com/office/drawing/2014/main" id="{559094C1-788E-0EBC-1B96-14354ECFE260}"/>
+              </a:ext>
+            </a:extLst>
+          </p:cNvPr>
+          <p:cNvSpPr txBox="1"/>
+          <p:nvPr/>
+        </p:nvSpPr>
+        <p:spPr>
+          <a:xfrm>
+            <a:off x="4951533" y="4685457"/>
+            <a:ext cx="3414717" cy="276999"/>
+          </a:xfrm>
+          <a:prstGeom prst="rect">
+            <a:avLst/>
+          </a:prstGeom>
+          <a:noFill/>
+        </p:spPr>
+        <p:txBody>
+          <a:bodyPr wrap="none" rtlCol="0">
+            <a:spAutoFit/>
+          </a:bodyPr>
+          <a:lstStyle/>
+          <a:p>
+            <a:r>
+              <a:rPr lang="ko-KR" altLang="en-US" sz="1200" dirty="0"/>
+              <a:t>논문 세부내용 작성</a:t>
+            </a:r>
+            <a:r>
+              <a:rPr lang="en-US" altLang="ko-KR" sz="1200" dirty="0"/>
+              <a:t>(</a:t>
+            </a:r>
+            <a:r>
+              <a:rPr lang="ko-KR" altLang="en-US" sz="1200" dirty="0"/>
+              <a:t>수치</a:t>
+            </a:r>
+            <a:r>
+              <a:rPr lang="en-US" altLang="ko-KR" sz="1200" dirty="0"/>
+              <a:t>/</a:t>
+            </a:r>
+            <a:r>
+              <a:rPr lang="ko-KR" altLang="en-US" sz="1200" dirty="0"/>
+              <a:t>그림 제외</a:t>
+            </a:r>
+            <a:r>
+              <a:rPr lang="en-US" altLang="ko-KR" sz="1200" dirty="0"/>
+              <a:t>), </a:t>
+            </a:r>
+            <a:r>
+              <a:rPr lang="ko-KR" altLang="en-US" sz="1200" dirty="0"/>
+              <a:t>모델 탑재</a:t>
+            </a:r>
+          </a:p>
+        </p:txBody>
+      </p:sp>
+      <p:sp>
+        <p:nvSpPr>
+          <p:cNvPr id="17" name="직사각형 16">
+            <a:extLst>
+              <a:ext uri="{FF2B5EF4-FFF2-40B4-BE49-F238E27FC236}">
+                <a16:creationId xmlns:a16="http://schemas.microsoft.com/office/drawing/2014/main" id="{467897B8-F120-3C7C-B67F-C22032F0EF1B}"/>
+              </a:ext>
+            </a:extLst>
+          </p:cNvPr>
+          <p:cNvSpPr/>
+          <p:nvPr/>
+        </p:nvSpPr>
+        <p:spPr>
+          <a:xfrm>
+            <a:off x="3469927" y="5024632"/>
+            <a:ext cx="1368000" cy="702000"/>
+          </a:xfrm>
+          <a:prstGeom prst="rect">
+            <a:avLst/>
+          </a:prstGeom>
+          <a:solidFill>
+            <a:srgbClr val="92D050">
+              <a:alpha val="29000"/>
+            </a:srgbClr>
+          </a:solidFill>
+          <a:ln>
+            <a:noFill/>
+          </a:ln>
+        </p:spPr>
+        <p:style>
+          <a:lnRef idx="0">
+            <a:scrgbClr r="0" g="0" b="0"/>
+          </a:lnRef>
+          <a:fillRef idx="0">
+            <a:scrgbClr r="0" g="0" b="0"/>
+          </a:fillRef>
+          <a:effectRef idx="0">
+            <a:scrgbClr r="0" g="0" b="0"/>
+          </a:effectRef>
+          <a:fontRef idx="minor">
+            <a:schemeClr val="lt1"/>
+          </a:fontRef>
+        </p:style>
+        <p:txBody>
+          <a:bodyPr rot="0" spcFirstLastPara="0" vertOverflow="overflow" horzOverflow="overflow" vert="horz" wrap="square" lIns="91440" tIns="45720" rIns="91440" bIns="45720" numCol="1" spcCol="0" rtlCol="0" fromWordArt="0" anchor="ctr" anchorCtr="0" forceAA="0" compatLnSpc="1">
+            <a:prstTxWarp prst="textNoShape">
+              <a:avLst/>
+            </a:prstTxWarp>
+            <a:noAutofit/>
+          </a:bodyPr>
+          <a:lstStyle/>
+          <a:p>
+            <a:pPr algn="ctr"/>
+            <a:endParaRPr lang="ko-KR" altLang="en-US" b="1" dirty="0">
+              <a:ln w="22225">
+                <a:solidFill>
+                  <a:schemeClr val="accent2"/>
+                </a:solidFill>
+                <a:prstDash val="solid"/>
+              </a:ln>
+              <a:solidFill>
+                <a:schemeClr val="accent2">
+                  <a:lumMod val="40000"/>
+                  <a:lumOff val="60000"/>
+                </a:schemeClr>
+              </a:solidFill>
+            </a:endParaRPr>
+          </a:p>
+        </p:txBody>
+      </p:sp>
+      <p:sp>
+        <p:nvSpPr>
+          <p:cNvPr id="18" name="TextBox 17">
+            <a:extLst>
+              <a:ext uri="{FF2B5EF4-FFF2-40B4-BE49-F238E27FC236}">
+                <a16:creationId xmlns:a16="http://schemas.microsoft.com/office/drawing/2014/main" id="{6638A922-B2C7-3FB5-1F88-BB7CC3A19E66}"/>
+              </a:ext>
+            </a:extLst>
+          </p:cNvPr>
+          <p:cNvSpPr txBox="1"/>
+          <p:nvPr/>
+        </p:nvSpPr>
+        <p:spPr>
+          <a:xfrm>
+            <a:off x="3459878" y="5431821"/>
+            <a:ext cx="1785362" cy="276999"/>
+          </a:xfrm>
+          <a:prstGeom prst="rect">
+            <a:avLst/>
+          </a:prstGeom>
+          <a:noFill/>
+        </p:spPr>
+        <p:txBody>
+          <a:bodyPr wrap="square">
+            <a:spAutoFit/>
+          </a:bodyPr>
+          <a:lstStyle/>
+          <a:p>
+            <a:r>
+              <a:rPr lang="ko-KR" altLang="en-US" sz="1200" dirty="0"/>
+              <a:t>실험 및 성능 분석</a:t>
+            </a:r>
+          </a:p>
+        </p:txBody>
+      </p:sp>
+      <p:sp>
+        <p:nvSpPr>
+          <p:cNvPr id="19" name="직사각형 18">
+            <a:extLst>
+              <a:ext uri="{FF2B5EF4-FFF2-40B4-BE49-F238E27FC236}">
+                <a16:creationId xmlns:a16="http://schemas.microsoft.com/office/drawing/2014/main" id="{93C51D71-9BF9-0897-51B9-6B9C0B382CF3}"/>
+              </a:ext>
+            </a:extLst>
+          </p:cNvPr>
+          <p:cNvSpPr/>
+          <p:nvPr/>
+        </p:nvSpPr>
+        <p:spPr>
+          <a:xfrm>
+            <a:off x="4937095" y="4999884"/>
+            <a:ext cx="3868617" cy="702000"/>
+          </a:xfrm>
+          <a:prstGeom prst="rect">
+            <a:avLst/>
+          </a:prstGeom>
+          <a:solidFill>
+            <a:srgbClr val="00B0F0">
+              <a:alpha val="29000"/>
+            </a:srgbClr>
+          </a:solidFill>
+          <a:ln>
+            <a:noFill/>
+          </a:ln>
+        </p:spPr>
+        <p:style>
+          <a:lnRef idx="0">
+            <a:scrgbClr r="0" g="0" b="0"/>
+          </a:lnRef>
+          <a:fillRef idx="0">
+            <a:scrgbClr r="0" g="0" b="0"/>
+          </a:fillRef>
+          <a:effectRef idx="0">
+            <a:scrgbClr r="0" g="0" b="0"/>
+          </a:effectRef>
+          <a:fontRef idx="minor">
+            <a:schemeClr val="lt1"/>
+          </a:fontRef>
+        </p:style>
+        <p:txBody>
+          <a:bodyPr rtlCol="0" anchor="ctr"/>
+          <a:lstStyle/>
+          <a:p>
+            <a:pPr algn="ctr"/>
+            <a:endParaRPr lang="ko-KR" altLang="en-US" dirty="0"/>
+          </a:p>
+        </p:txBody>
+      </p:sp>
+      <p:sp>
+        <p:nvSpPr>
+          <p:cNvPr id="20" name="TextBox 19">
+            <a:extLst>
+              <a:ext uri="{FF2B5EF4-FFF2-40B4-BE49-F238E27FC236}">
+                <a16:creationId xmlns:a16="http://schemas.microsoft.com/office/drawing/2014/main" id="{A28856A5-6DD0-8980-BAFB-E43E34FCBD89}"/>
+              </a:ext>
+            </a:extLst>
+          </p:cNvPr>
+          <p:cNvSpPr txBox="1"/>
+          <p:nvPr/>
+        </p:nvSpPr>
+        <p:spPr>
+          <a:xfrm>
+            <a:off x="4963259" y="5420658"/>
+            <a:ext cx="1217000" cy="276999"/>
+          </a:xfrm>
+          <a:prstGeom prst="rect">
+            <a:avLst/>
+          </a:prstGeom>
+          <a:noFill/>
+        </p:spPr>
+        <p:txBody>
+          <a:bodyPr wrap="none" rtlCol="0">
+            <a:spAutoFit/>
+          </a:bodyPr>
+          <a:lstStyle/>
+          <a:p>
+            <a:r>
+              <a:rPr lang="ko-KR" altLang="en-US" sz="1200" dirty="0"/>
+              <a:t>논문 초안 완성</a:t>
+            </a:r>
+          </a:p>
+        </p:txBody>
+      </p:sp>
+      <p:sp>
+        <p:nvSpPr>
+          <p:cNvPr id="21" name="직사각형 20">
+            <a:extLst>
+              <a:ext uri="{FF2B5EF4-FFF2-40B4-BE49-F238E27FC236}">
+                <a16:creationId xmlns:a16="http://schemas.microsoft.com/office/drawing/2014/main" id="{901F8F76-61DD-C86E-11AD-FF0D7E6A3758}"/>
+              </a:ext>
+            </a:extLst>
+          </p:cNvPr>
+          <p:cNvSpPr/>
+          <p:nvPr/>
+        </p:nvSpPr>
+        <p:spPr>
+          <a:xfrm>
+            <a:off x="3471605" y="5759833"/>
+            <a:ext cx="1368000" cy="702000"/>
+          </a:xfrm>
+          <a:prstGeom prst="rect">
+            <a:avLst/>
+          </a:prstGeom>
+          <a:solidFill>
+            <a:srgbClr val="00B0F0">
+              <a:alpha val="29000"/>
+            </a:srgbClr>
+          </a:solidFill>
+          <a:ln>
+            <a:noFill/>
+          </a:ln>
+        </p:spPr>
+        <p:style>
+          <a:lnRef idx="0">
+            <a:scrgbClr r="0" g="0" b="0"/>
+          </a:lnRef>
+          <a:fillRef idx="0">
+            <a:scrgbClr r="0" g="0" b="0"/>
+          </a:fillRef>
+          <a:effectRef idx="0">
+            <a:scrgbClr r="0" g="0" b="0"/>
+          </a:effectRef>
+          <a:fontRef idx="minor">
+            <a:schemeClr val="lt1"/>
+          </a:fontRef>
+        </p:style>
+        <p:txBody>
+          <a:bodyPr rtlCol="0" anchor="ctr"/>
+          <a:lstStyle/>
+          <a:p>
+            <a:pPr algn="ctr"/>
+            <a:endParaRPr lang="ko-KR" altLang="en-US" dirty="0"/>
+          </a:p>
+        </p:txBody>
+      </p:sp>
+      <p:sp>
+        <p:nvSpPr>
+          <p:cNvPr id="23" name="직사각형 22">
+            <a:extLst>
+              <a:ext uri="{FF2B5EF4-FFF2-40B4-BE49-F238E27FC236}">
+                <a16:creationId xmlns:a16="http://schemas.microsoft.com/office/drawing/2014/main" id="{3B32E817-7D06-EBE7-B14D-714DC100ED2E}"/>
+              </a:ext>
+            </a:extLst>
+          </p:cNvPr>
+          <p:cNvSpPr/>
+          <p:nvPr/>
+        </p:nvSpPr>
+        <p:spPr>
+          <a:xfrm>
+            <a:off x="4938771" y="5735085"/>
+            <a:ext cx="3868617" cy="702000"/>
+          </a:xfrm>
+          <a:prstGeom prst="rect">
+            <a:avLst/>
+          </a:prstGeom>
+          <a:solidFill>
+            <a:schemeClr val="accent5">
+              <a:alpha val="29000"/>
+            </a:schemeClr>
+          </a:solidFill>
+          <a:ln>
+            <a:noFill/>
+          </a:ln>
+        </p:spPr>
+        <p:style>
+          <a:lnRef idx="0">
+            <a:scrgbClr r="0" g="0" b="0"/>
+          </a:lnRef>
+          <a:fillRef idx="0">
+            <a:scrgbClr r="0" g="0" b="0"/>
+          </a:fillRef>
+          <a:effectRef idx="0">
+            <a:scrgbClr r="0" g="0" b="0"/>
+          </a:effectRef>
+          <a:fontRef idx="minor">
+            <a:schemeClr val="lt1"/>
+          </a:fontRef>
+        </p:style>
+        <p:txBody>
+          <a:bodyPr rtlCol="0" anchor="ctr"/>
+          <a:lstStyle/>
+          <a:p>
+            <a:pPr algn="ctr"/>
+            <a:endParaRPr lang="ko-KR" altLang="en-US" dirty="0"/>
+          </a:p>
+        </p:txBody>
+      </p:sp>
+      <p:sp>
+        <p:nvSpPr>
+          <p:cNvPr id="24" name="TextBox 23">
+            <a:extLst>
+              <a:ext uri="{FF2B5EF4-FFF2-40B4-BE49-F238E27FC236}">
+                <a16:creationId xmlns:a16="http://schemas.microsoft.com/office/drawing/2014/main" id="{825181F2-3445-9870-A6E7-767BFE8E728D}"/>
+              </a:ext>
+            </a:extLst>
+          </p:cNvPr>
+          <p:cNvSpPr txBox="1"/>
+          <p:nvPr/>
+        </p:nvSpPr>
+        <p:spPr>
+          <a:xfrm>
+            <a:off x="4964935" y="6155859"/>
+            <a:ext cx="2457724" cy="276999"/>
+          </a:xfrm>
+          <a:prstGeom prst="rect">
+            <a:avLst/>
+          </a:prstGeom>
+          <a:noFill/>
+        </p:spPr>
+        <p:txBody>
+          <a:bodyPr wrap="none" rtlCol="0">
+            <a:spAutoFit/>
+          </a:bodyPr>
+          <a:lstStyle/>
+          <a:p>
+            <a:r>
+              <a:rPr lang="ko-KR" altLang="en-US" sz="1200" dirty="0"/>
+              <a:t>교수님 피드백 반영 및 논문 수정</a:t>
+            </a:r>
+          </a:p>
+        </p:txBody>
+      </p:sp>
+    </p:spTree>
+    <p:extLst>
+      <p:ext uri="{BB962C8B-B14F-4D97-AF65-F5344CB8AC3E}">
+        <p14:creationId xmlns:p14="http://schemas.microsoft.com/office/powerpoint/2010/main" val="2968429139"/>
       </p:ext>
     </p:extLst>
   </p:cSld>
